--- a/Session 1/3. GIT Introduction.pptx
+++ b/Session 1/3. GIT Introduction.pptx
@@ -5,10 +5,10 @@
     <p:sldMasterId id="2147483648" r:id="rId1"/>
   </p:sldMasterIdLst>
   <p:notesMasterIdLst>
-    <p:notesMasterId r:id="rId19"/>
+    <p:notesMasterId r:id="rId18"/>
   </p:notesMasterIdLst>
   <p:handoutMasterIdLst>
-    <p:handoutMasterId r:id="rId20"/>
+    <p:handoutMasterId r:id="rId19"/>
   </p:handoutMasterIdLst>
   <p:sldIdLst>
     <p:sldId id="256" r:id="rId2"/>
@@ -16,18 +16,17 @@
     <p:sldId id="259" r:id="rId4"/>
     <p:sldId id="257" r:id="rId5"/>
     <p:sldId id="271" r:id="rId6"/>
-    <p:sldId id="272" r:id="rId7"/>
-    <p:sldId id="258" r:id="rId8"/>
-    <p:sldId id="264" r:id="rId9"/>
-    <p:sldId id="260" r:id="rId10"/>
-    <p:sldId id="262" r:id="rId11"/>
-    <p:sldId id="261" r:id="rId12"/>
-    <p:sldId id="263" r:id="rId13"/>
-    <p:sldId id="265" r:id="rId14"/>
-    <p:sldId id="273" r:id="rId15"/>
-    <p:sldId id="268" r:id="rId16"/>
-    <p:sldId id="266" r:id="rId17"/>
-    <p:sldId id="269" r:id="rId18"/>
+    <p:sldId id="258" r:id="rId7"/>
+    <p:sldId id="264" r:id="rId8"/>
+    <p:sldId id="260" r:id="rId9"/>
+    <p:sldId id="262" r:id="rId10"/>
+    <p:sldId id="261" r:id="rId11"/>
+    <p:sldId id="263" r:id="rId12"/>
+    <p:sldId id="265" r:id="rId13"/>
+    <p:sldId id="273" r:id="rId14"/>
+    <p:sldId id="268" r:id="rId15"/>
+    <p:sldId id="266" r:id="rId16"/>
+    <p:sldId id="269" r:id="rId17"/>
   </p:sldIdLst>
   <p:sldSz cx="9144000" cy="6858000" type="screen4x3"/>
   <p:notesSz cx="6858000" cy="9144000"/>
@@ -126,6 +125,22 @@
       </a:defRPr>
     </a:lvl9pPr>
   </p:defaultTextStyle>
+  <p:extLst>
+    <p:ext uri="{EFAFB233-063F-42B5-8137-9DF3F51BA10A}">
+      <p15:sldGuideLst xmlns:p15="http://schemas.microsoft.com/office/powerpoint/2012/main">
+        <p15:guide id="1" orient="horz" pos="2160">
+          <p15:clr>
+            <a:srgbClr val="A4A3A4"/>
+          </p15:clr>
+        </p15:guide>
+        <p15:guide id="2" pos="2880">
+          <p15:clr>
+            <a:srgbClr val="A4A3A4"/>
+          </p15:clr>
+        </p15:guide>
+      </p15:sldGuideLst>
+    </p:ext>
+  </p:extLst>
 </p:presentation>
 </file>
 
@@ -211,7 +226,7 @@
           <a:p>
             <a:fld id="{6550FFAF-B4F1-CB47-B89B-BD38FEB190AD}" type="datetime1">
               <a:rPr lang="da-DK" smtClean="0"/>
-              <a:t>27-08-2015</a:t>
+              <a:t>02-09-2015</a:t>
             </a:fld>
             <a:endParaRPr lang="da-DK"/>
           </a:p>
@@ -277,7 +292,7 @@
           <a:p>
             <a:fld id="{AC3884DC-7C78-874B-B33E-4FD46E909915}" type="slidenum">
               <a:rPr lang="da-DK" smtClean="0"/>
-              <a:t>‹nr.›</a:t>
+              <a:t>‹#›</a:t>
             </a:fld>
             <a:endParaRPr lang="da-DK"/>
           </a:p>
@@ -377,7 +392,7 @@
           <a:p>
             <a:fld id="{7C54A86D-88B8-3D40-955A-2A6093001EAF}" type="datetime1">
               <a:rPr lang="da-DK" smtClean="0"/>
-              <a:t>27-08-2015</a:t>
+              <a:t>02-09-2015</a:t>
             </a:fld>
             <a:endParaRPr lang="da-DK"/>
           </a:p>
@@ -536,7 +551,7 @@
           <a:p>
             <a:fld id="{A9C4E1A5-6CB7-5447-B42E-8AE694A2D83A}" type="slidenum">
               <a:rPr lang="da-DK" smtClean="0"/>
-              <a:t>‹nr.›</a:t>
+              <a:t>‹#›</a:t>
             </a:fld>
             <a:endParaRPr lang="da-DK"/>
           </a:p>
@@ -715,7 +730,7 @@
           <a:p>
             <a:fld id="{7C54A86D-88B8-3D40-955A-2A6093001EAF}" type="datetime1">
               <a:rPr lang="da-DK" smtClean="0"/>
-              <a:t>27-08-2015</a:t>
+              <a:t>02-09-2015</a:t>
             </a:fld>
             <a:endParaRPr lang="da-DK"/>
           </a:p>
@@ -841,7 +856,7 @@
           <a:p>
             <a:fld id="{7C54A86D-88B8-3D40-955A-2A6093001EAF}" type="datetime1">
               <a:rPr lang="da-DK" smtClean="0"/>
-              <a:t>27-08-2015</a:t>
+              <a:t>02-09-2015</a:t>
             </a:fld>
             <a:endParaRPr lang="da-DK"/>
           </a:p>
@@ -883,7 +898,7 @@
           <a:p>
             <a:fld id="{A9C4E1A5-6CB7-5447-B42E-8AE694A2D83A}" type="slidenum">
               <a:rPr lang="da-DK" smtClean="0"/>
-              <a:t>7</a:t>
+              <a:t>6</a:t>
             </a:fld>
             <a:endParaRPr lang="da-DK"/>
           </a:p>
@@ -971,7 +986,7 @@
           <a:p>
             <a:fld id="{7C54A86D-88B8-3D40-955A-2A6093001EAF}" type="datetime1">
               <a:rPr lang="da-DK" smtClean="0"/>
-              <a:t>27-08-2015</a:t>
+              <a:t>02-09-2015</a:t>
             </a:fld>
             <a:endParaRPr lang="da-DK"/>
           </a:p>
@@ -1013,7 +1028,7 @@
           <a:p>
             <a:fld id="{A9C4E1A5-6CB7-5447-B42E-8AE694A2D83A}" type="slidenum">
               <a:rPr lang="da-DK" smtClean="0"/>
-              <a:t>8</a:t>
+              <a:t>7</a:t>
             </a:fld>
             <a:endParaRPr lang="da-DK"/>
           </a:p>
@@ -1208,7 +1223,7 @@
           <a:p>
             <a:fld id="{7C54A86D-88B8-3D40-955A-2A6093001EAF}" type="datetime1">
               <a:rPr lang="da-DK" smtClean="0"/>
-              <a:t>27-08-2015</a:t>
+              <a:t>02-09-2015</a:t>
             </a:fld>
             <a:endParaRPr lang="da-DK"/>
           </a:p>
@@ -1250,7 +1265,7 @@
           <a:p>
             <a:fld id="{A9C4E1A5-6CB7-5447-B42E-8AE694A2D83A}" type="slidenum">
               <a:rPr lang="da-DK" smtClean="0"/>
-              <a:t>9</a:t>
+              <a:t>8</a:t>
             </a:fld>
             <a:endParaRPr lang="da-DK"/>
           </a:p>
@@ -1371,7 +1386,7 @@
           <a:p>
             <a:fld id="{7C54A86D-88B8-3D40-955A-2A6093001EAF}" type="datetime1">
               <a:rPr lang="da-DK" smtClean="0"/>
-              <a:t>27-08-2015</a:t>
+              <a:t>02-09-2015</a:t>
             </a:fld>
             <a:endParaRPr lang="da-DK"/>
           </a:p>
@@ -1413,7 +1428,7 @@
           <a:p>
             <a:fld id="{A9C4E1A5-6CB7-5447-B42E-8AE694A2D83A}" type="slidenum">
               <a:rPr lang="da-DK" smtClean="0"/>
-              <a:t>13</a:t>
+              <a:t>12</a:t>
             </a:fld>
             <a:endParaRPr lang="da-DK"/>
           </a:p>
@@ -1497,7 +1512,7 @@
           <a:p>
             <a:fld id="{7C54A86D-88B8-3D40-955A-2A6093001EAF}" type="datetime1">
               <a:rPr lang="da-DK" smtClean="0"/>
-              <a:t>27-08-2015</a:t>
+              <a:t>02-09-2015</a:t>
             </a:fld>
             <a:endParaRPr lang="da-DK"/>
           </a:p>
@@ -1539,7 +1554,7 @@
           <a:p>
             <a:fld id="{A9C4E1A5-6CB7-5447-B42E-8AE694A2D83A}" type="slidenum">
               <a:rPr lang="da-DK" smtClean="0"/>
-              <a:t>14</a:t>
+              <a:t>13</a:t>
             </a:fld>
             <a:endParaRPr lang="da-DK"/>
           </a:p>
@@ -1671,7 +1686,7 @@
           <a:p>
             <a:fld id="{7C54A86D-88B8-3D40-955A-2A6093001EAF}" type="datetime1">
               <a:rPr lang="da-DK" smtClean="0"/>
-              <a:t>27-08-2015</a:t>
+              <a:t>02-09-2015</a:t>
             </a:fld>
             <a:endParaRPr lang="da-DK"/>
           </a:p>
@@ -1713,7 +1728,7 @@
           <a:p>
             <a:fld id="{A9C4E1A5-6CB7-5447-B42E-8AE694A2D83A}" type="slidenum">
               <a:rPr lang="da-DK" smtClean="0"/>
-              <a:t>15</a:t>
+              <a:t>14</a:t>
             </a:fld>
             <a:endParaRPr lang="da-DK"/>
           </a:p>
@@ -1841,7 +1856,7 @@
           <a:p>
             <a:fld id="{F7AB382F-E9E6-CE49-B414-1E064FB7F064}" type="slidenum">
               <a:rPr lang="da-DK" smtClean="0"/>
-              <a:t>‹nr.›</a:t>
+              <a:t>‹#›</a:t>
             </a:fld>
             <a:endParaRPr lang="da-DK"/>
           </a:p>
@@ -2253,7 +2268,7 @@
           <a:p>
             <a:fld id="{F7AB382F-E9E6-CE49-B414-1E064FB7F064}" type="slidenum">
               <a:rPr lang="da-DK" smtClean="0"/>
-              <a:t>‹nr.›</a:t>
+              <a:t>‹#›</a:t>
             </a:fld>
             <a:endParaRPr lang="da-DK"/>
           </a:p>
@@ -2678,7 +2693,7 @@
             <a:fld id="{F7AB382F-E9E6-CE49-B414-1E064FB7F064}" type="slidenum">
               <a:rPr lang="da-DK" smtClean="0"/>
               <a:pPr/>
-              <a:t>‹nr.›</a:t>
+              <a:t>‹#›</a:t>
             </a:fld>
             <a:endParaRPr lang="da-DK" dirty="0"/>
           </a:p>
@@ -2864,7 +2879,7 @@
             <a:fld id="{F7AB382F-E9E6-CE49-B414-1E064FB7F064}" type="slidenum">
               <a:rPr lang="da-DK" smtClean="0"/>
               <a:pPr/>
-              <a:t>‹nr.›</a:t>
+              <a:t>‹#›</a:t>
             </a:fld>
             <a:endParaRPr lang="da-DK" dirty="0"/>
           </a:p>
@@ -3079,7 +3094,7 @@
           <a:p>
             <a:fld id="{F7AB382F-E9E6-CE49-B414-1E064FB7F064}" type="slidenum">
               <a:rPr lang="da-DK" smtClean="0"/>
-              <a:t>‹nr.›</a:t>
+              <a:t>‹#›</a:t>
             </a:fld>
             <a:endParaRPr lang="da-DK"/>
           </a:p>
@@ -3314,7 +3329,7 @@
           <a:p>
             <a:fld id="{F7AB382F-E9E6-CE49-B414-1E064FB7F064}" type="slidenum">
               <a:rPr lang="da-DK" smtClean="0"/>
-              <a:t>‹nr.›</a:t>
+              <a:t>‹#›</a:t>
             </a:fld>
             <a:endParaRPr lang="da-DK"/>
           </a:p>
@@ -3591,7 +3606,7 @@
           <a:p>
             <a:fld id="{F7AB382F-E9E6-CE49-B414-1E064FB7F064}" type="slidenum">
               <a:rPr lang="da-DK" smtClean="0"/>
-              <a:t>‹nr.›</a:t>
+              <a:t>‹#›</a:t>
             </a:fld>
             <a:endParaRPr lang="da-DK"/>
           </a:p>
@@ -4002,7 +4017,7 @@
           <a:p>
             <a:fld id="{F7AB382F-E9E6-CE49-B414-1E064FB7F064}" type="slidenum">
               <a:rPr lang="da-DK" smtClean="0"/>
-              <a:t>‹nr.›</a:t>
+              <a:t>‹#›</a:t>
             </a:fld>
             <a:endParaRPr lang="da-DK"/>
           </a:p>
@@ -4109,7 +4124,7 @@
           <a:p>
             <a:fld id="{F7AB382F-E9E6-CE49-B414-1E064FB7F064}" type="slidenum">
               <a:rPr lang="da-DK" smtClean="0"/>
-              <a:t>‹nr.›</a:t>
+              <a:t>‹#›</a:t>
             </a:fld>
             <a:endParaRPr lang="da-DK"/>
           </a:p>
@@ -4193,7 +4208,7 @@
           <a:p>
             <a:fld id="{F7AB382F-E9E6-CE49-B414-1E064FB7F064}" type="slidenum">
               <a:rPr lang="da-DK" smtClean="0"/>
-              <a:t>‹nr.›</a:t>
+              <a:t>‹#›</a:t>
             </a:fld>
             <a:endParaRPr lang="da-DK"/>
           </a:p>
@@ -4427,7 +4442,7 @@
           <a:p>
             <a:fld id="{F7AB382F-E9E6-CE49-B414-1E064FB7F064}" type="slidenum">
               <a:rPr lang="da-DK" smtClean="0"/>
-              <a:t>‹nr.›</a:t>
+              <a:t>‹#›</a:t>
             </a:fld>
             <a:endParaRPr lang="da-DK"/>
           </a:p>
@@ -4712,7 +4727,7 @@
           <a:p>
             <a:fld id="{F7AB382F-E9E6-CE49-B414-1E064FB7F064}" type="slidenum">
               <a:rPr lang="da-DK" smtClean="0"/>
-              <a:t>‹nr.›</a:t>
+              <a:t>‹#›</a:t>
             </a:fld>
             <a:endParaRPr lang="da-DK"/>
           </a:p>
@@ -4961,7 +4976,7 @@
             <a:fld id="{F7AB382F-E9E6-CE49-B414-1E064FB7F064}" type="slidenum">
               <a:rPr lang="da-DK" smtClean="0"/>
               <a:pPr/>
-              <a:t>‹nr.›</a:t>
+              <a:t>‹#›</a:t>
             </a:fld>
             <a:endParaRPr lang="da-DK" dirty="0"/>
           </a:p>
@@ -5480,23 +5495,23 @@
           <a:lstStyle/>
           <a:p>
             <a:r>
-              <a:rPr lang="da-DK" dirty="0" err="1"/>
+              <a:rPr lang="da-DK" dirty="0" err="1" smtClean="0"/>
               <a:t>Setting</a:t>
             </a:r>
             <a:r>
-              <a:rPr lang="da-DK" dirty="0"/>
+              <a:rPr lang="da-DK" dirty="0" smtClean="0"/>
               <a:t> up a </a:t>
             </a:r>
             <a:r>
-              <a:rPr lang="da-DK" dirty="0" err="1"/>
+              <a:rPr lang="da-DK" dirty="0" err="1" smtClean="0"/>
               <a:t>remote</a:t>
             </a:r>
             <a:r>
-              <a:rPr lang="da-DK" dirty="0"/>
+              <a:rPr lang="da-DK" dirty="0" smtClean="0"/>
               <a:t> </a:t>
             </a:r>
             <a:r>
-              <a:rPr lang="da-DK" dirty="0" err="1"/>
+              <a:rPr lang="da-DK" dirty="0" err="1" smtClean="0"/>
               <a:t>repository</a:t>
             </a:r>
             <a:endParaRPr lang="da-DK" dirty="0"/>
@@ -5519,130 +5534,76 @@
           <a:lstStyle/>
           <a:p>
             <a:r>
-              <a:rPr lang="en-US" dirty="0" err="1"/>
-              <a:t>mkdir</a:t>
-            </a:r>
-            <a:r>
-              <a:rPr lang="en-US" dirty="0"/>
-              <a:t> /</a:t>
-            </a:r>
-            <a:r>
-              <a:rPr lang="en-US" dirty="0" smtClean="0"/>
-              <a:t>path/to/your/project</a:t>
-            </a:r>
-          </a:p>
-          <a:p>
-            <a:r>
-              <a:rPr lang="en-US" dirty="0" smtClean="0"/>
-              <a:t>cd </a:t>
-            </a:r>
-            <a:r>
-              <a:rPr lang="en-US" dirty="0"/>
-              <a:t>/</a:t>
-            </a:r>
-            <a:r>
-              <a:rPr lang="en-US" dirty="0" smtClean="0"/>
-              <a:t>path/to/your/project</a:t>
-            </a:r>
-          </a:p>
-          <a:p>
-            <a:r>
-              <a:rPr lang="en-US" dirty="0" err="1" smtClean="0"/>
+              <a:rPr lang="da-DK" dirty="0" smtClean="0"/>
+              <a:t>The </a:t>
+            </a:r>
+            <a:r>
+              <a:rPr lang="da-DK" dirty="0" err="1" smtClean="0"/>
+              <a:t>easier</a:t>
+            </a:r>
+            <a:r>
+              <a:rPr lang="da-DK" dirty="0" smtClean="0"/>
+              <a:t> </a:t>
+            </a:r>
+            <a:r>
+              <a:rPr lang="da-DK" dirty="0" err="1" smtClean="0"/>
+              <a:t>way</a:t>
+            </a:r>
+            <a:endParaRPr lang="da-DK" dirty="0" smtClean="0"/>
+          </a:p>
+          <a:p>
+            <a:r>
+              <a:rPr lang="da-DK" dirty="0" err="1" smtClean="0"/>
+              <a:t>Create</a:t>
+            </a:r>
+            <a:r>
+              <a:rPr lang="da-DK" dirty="0" smtClean="0"/>
+              <a:t> </a:t>
+            </a:r>
+            <a:r>
+              <a:rPr lang="da-DK" dirty="0" err="1" smtClean="0"/>
+              <a:t>Repo</a:t>
+            </a:r>
+            <a:r>
+              <a:rPr lang="da-DK" dirty="0" smtClean="0"/>
+              <a:t> (on BB or GH)</a:t>
+            </a:r>
+          </a:p>
+          <a:p>
+            <a:r>
+              <a:rPr lang="da-DK" dirty="0" err="1" smtClean="0"/>
+              <a:t>Clone</a:t>
+            </a:r>
+            <a:r>
+              <a:rPr lang="da-DK" dirty="0" smtClean="0"/>
+              <a:t> it</a:t>
+            </a:r>
+          </a:p>
+          <a:p>
+            <a:r>
+              <a:rPr lang="da-DK" dirty="0" smtClean="0"/>
+              <a:t>Change it </a:t>
+            </a:r>
+          </a:p>
+          <a:p>
+            <a:r>
+              <a:rPr lang="da-DK" dirty="0" err="1" smtClean="0"/>
               <a:t>git</a:t>
             </a:r>
             <a:r>
-              <a:rPr lang="en-US" dirty="0" smtClean="0"/>
-              <a:t> </a:t>
-            </a:r>
-            <a:r>
-              <a:rPr lang="en-US" dirty="0" err="1" smtClean="0"/>
-              <a:t>init</a:t>
-            </a:r>
-            <a:endParaRPr lang="en-US" dirty="0" smtClean="0"/>
-          </a:p>
-          <a:p>
-            <a:r>
-              <a:rPr lang="en-US" dirty="0" err="1" smtClean="0"/>
-              <a:t>git</a:t>
-            </a:r>
-            <a:r>
-              <a:rPr lang="en-US" dirty="0" smtClean="0"/>
-              <a:t> </a:t>
-            </a:r>
-            <a:r>
-              <a:rPr lang="en-US" dirty="0"/>
-              <a:t>remote add origin </a:t>
-            </a:r>
-            <a:r>
-              <a:rPr lang="en-US" dirty="0">
-                <a:hlinkClick r:id="rId2"/>
-              </a:rPr>
-              <a:t>https</a:t>
-            </a:r>
-            <a:r>
-              <a:rPr lang="en-US" dirty="0" smtClean="0">
-                <a:hlinkClick r:id="rId2"/>
-              </a:rPr>
-              <a:t>://xxxx@bitbucket.org/xxxx/test1.git</a:t>
-            </a:r>
-            <a:endParaRPr lang="en-US" dirty="0" smtClean="0"/>
-          </a:p>
-          <a:p>
-            <a:r>
-              <a:rPr lang="en-US" dirty="0" err="1"/>
-              <a:t>git</a:t>
-            </a:r>
-            <a:r>
-              <a:rPr lang="en-US" dirty="0"/>
-              <a:t> add </a:t>
-            </a:r>
-            <a:r>
-              <a:rPr lang="en-US" dirty="0" smtClean="0"/>
-              <a:t>contributors.txt</a:t>
-            </a:r>
-          </a:p>
-          <a:p>
-            <a:r>
-              <a:rPr lang="en-US" dirty="0" err="1" smtClean="0"/>
-              <a:t>git</a:t>
-            </a:r>
-            <a:r>
-              <a:rPr lang="en-US" dirty="0" smtClean="0"/>
-              <a:t> </a:t>
-            </a:r>
-            <a:r>
-              <a:rPr lang="en-US" dirty="0"/>
-              <a:t>commit -m 'Initial commit with </a:t>
-            </a:r>
-            <a:r>
-              <a:rPr lang="en-US" dirty="0" smtClean="0"/>
-              <a:t>contributors‘</a:t>
-            </a:r>
-          </a:p>
-          <a:p>
-            <a:r>
-              <a:rPr lang="en-US" dirty="0" err="1" smtClean="0"/>
-              <a:t>git</a:t>
-            </a:r>
-            <a:r>
-              <a:rPr lang="en-US" dirty="0" smtClean="0"/>
-              <a:t> </a:t>
-            </a:r>
-            <a:r>
-              <a:rPr lang="en-US" dirty="0"/>
-              <a:t>push -u origin </a:t>
-            </a:r>
-            <a:r>
-              <a:rPr lang="en-US" dirty="0" smtClean="0"/>
-              <a:t>master</a:t>
-            </a:r>
-          </a:p>
-          <a:p>
-            <a:pPr lvl="1"/>
-            <a:r>
-              <a:rPr lang="en-US" dirty="0" smtClean="0"/>
-              <a:t>Origin master will be saved as default push branch</a:t>
-            </a:r>
+              <a:rPr lang="da-DK" dirty="0" smtClean="0"/>
+              <a:t> push </a:t>
+            </a:r>
+            <a:r>
+              <a:rPr lang="da-DK" dirty="0" err="1" smtClean="0"/>
+              <a:t>origin</a:t>
+            </a:r>
+            <a:r>
+              <a:rPr lang="da-DK" dirty="0" smtClean="0"/>
+              <a:t> master</a:t>
+            </a:r>
+          </a:p>
+          <a:p>
             <a:endParaRPr lang="da-DK" dirty="0"/>
           </a:p>
         </p:txBody>
@@ -5692,7 +5653,7 @@
     </p:spTree>
     <p:extLst>
       <p:ext uri="{BB962C8B-B14F-4D97-AF65-F5344CB8AC3E}">
-        <p14:creationId xmlns:p14="http://schemas.microsoft.com/office/powerpoint/2010/main" val="4104502733"/>
+        <p14:creationId xmlns:p14="http://schemas.microsoft.com/office/powerpoint/2010/main" val="1916515407"/>
       </p:ext>
     </p:extLst>
   </p:cSld>
@@ -5748,15 +5709,7 @@
           <a:p>
             <a:r>
               <a:rPr lang="da-DK" dirty="0" err="1" smtClean="0"/>
-              <a:t>Setting</a:t>
-            </a:r>
-            <a:r>
-              <a:rPr lang="da-DK" dirty="0" smtClean="0"/>
-              <a:t> up a </a:t>
-            </a:r>
-            <a:r>
-              <a:rPr lang="da-DK" dirty="0" err="1" smtClean="0"/>
-              <a:t>remote</a:t>
+              <a:t>Add</a:t>
             </a:r>
             <a:r>
               <a:rPr lang="da-DK" dirty="0" smtClean="0"/>
@@ -5764,7 +5717,19 @@
             </a:r>
             <a:r>
               <a:rPr lang="da-DK" dirty="0" err="1" smtClean="0"/>
-              <a:t>repository</a:t>
+              <a:t>existing</a:t>
+            </a:r>
+            <a:r>
+              <a:rPr lang="da-DK" dirty="0" smtClean="0"/>
+              <a:t> </a:t>
+            </a:r>
+            <a:r>
+              <a:rPr lang="da-DK" dirty="0" err="1" smtClean="0"/>
+              <a:t>project</a:t>
+            </a:r>
+            <a:r>
+              <a:rPr lang="da-DK" dirty="0" smtClean="0"/>
+              <a:t> to VCS</a:t>
             </a:r>
             <a:endParaRPr lang="da-DK" dirty="0"/>
           </a:p>
@@ -5786,73 +5751,61 @@
           <a:lstStyle/>
           <a:p>
             <a:r>
-              <a:rPr lang="da-DK" dirty="0" smtClean="0"/>
-              <a:t>The </a:t>
-            </a:r>
-            <a:r>
-              <a:rPr lang="da-DK" dirty="0" err="1" smtClean="0"/>
-              <a:t>easier</a:t>
-            </a:r>
-            <a:r>
-              <a:rPr lang="da-DK" dirty="0" smtClean="0"/>
+              <a:rPr lang="en-US" dirty="0" err="1"/>
+              <a:t>git</a:t>
+            </a:r>
+            <a:r>
+              <a:rPr lang="en-US" dirty="0"/>
+              <a:t> remote add origin </a:t>
+            </a:r>
+            <a:r>
+              <a:rPr lang="en-US" dirty="0">
+                <a:hlinkClick r:id="rId2"/>
+              </a:rPr>
+              <a:t>https</a:t>
+            </a:r>
+            <a:r>
+              <a:rPr lang="en-US" dirty="0" smtClean="0">
+                <a:hlinkClick r:id="rId2"/>
+              </a:rPr>
+              <a:t>://xxxx@bitbucket.org/xxxx/test2.git</a:t>
+            </a:r>
+            <a:endParaRPr lang="en-US" dirty="0" smtClean="0"/>
+          </a:p>
+          <a:p>
+            <a:r>
+              <a:rPr lang="en-US" dirty="0" err="1" smtClean="0"/>
+              <a:t>git</a:t>
+            </a:r>
+            <a:r>
+              <a:rPr lang="en-US" dirty="0" smtClean="0"/>
               <a:t> </a:t>
             </a:r>
             <a:r>
-              <a:rPr lang="da-DK" dirty="0" err="1" smtClean="0"/>
-              <a:t>way</a:t>
-            </a:r>
-            <a:endParaRPr lang="da-DK" dirty="0" smtClean="0"/>
-          </a:p>
-          <a:p>
-            <a:r>
-              <a:rPr lang="da-DK" dirty="0" err="1" smtClean="0"/>
-              <a:t>Create</a:t>
-            </a:r>
-            <a:r>
-              <a:rPr lang="da-DK" dirty="0" smtClean="0"/>
+              <a:rPr lang="en-US" dirty="0"/>
+              <a:t>push -u origin --all # pushes up the repo and its refs for the first </a:t>
+            </a:r>
+            <a:r>
+              <a:rPr lang="en-US" dirty="0" smtClean="0"/>
+              <a:t>time</a:t>
+            </a:r>
+          </a:p>
+          <a:p>
+            <a:r>
+              <a:rPr lang="en-US" dirty="0" err="1" smtClean="0"/>
+              <a:t>git</a:t>
+            </a:r>
+            <a:r>
+              <a:rPr lang="en-US" dirty="0" smtClean="0"/>
               <a:t> </a:t>
             </a:r>
             <a:r>
-              <a:rPr lang="da-DK" dirty="0" err="1" smtClean="0"/>
-              <a:t>Repo</a:t>
-            </a:r>
-            <a:r>
-              <a:rPr lang="da-DK" dirty="0" smtClean="0"/>
-              <a:t> (on BB or GH)</a:t>
-            </a:r>
-          </a:p>
-          <a:p>
-            <a:r>
-              <a:rPr lang="da-DK" dirty="0" err="1" smtClean="0"/>
-              <a:t>Clone</a:t>
-            </a:r>
-            <a:r>
-              <a:rPr lang="da-DK" dirty="0" smtClean="0"/>
-              <a:t> it</a:t>
-            </a:r>
-          </a:p>
-          <a:p>
-            <a:r>
-              <a:rPr lang="da-DK" dirty="0" smtClean="0"/>
-              <a:t>Change it </a:t>
-            </a:r>
-          </a:p>
-          <a:p>
-            <a:r>
-              <a:rPr lang="da-DK" dirty="0" err="1" smtClean="0"/>
-              <a:t>git</a:t>
-            </a:r>
-            <a:r>
-              <a:rPr lang="da-DK" dirty="0" smtClean="0"/>
-              <a:t> push </a:t>
-            </a:r>
-            <a:r>
-              <a:rPr lang="da-DK" dirty="0" err="1" smtClean="0"/>
-              <a:t>origin</a:t>
-            </a:r>
-            <a:r>
-              <a:rPr lang="da-DK" dirty="0" smtClean="0"/>
-              <a:t> master</a:t>
+              <a:rPr lang="en-US" dirty="0"/>
+              <a:t>push -u origin --tags # pushes up any </a:t>
+            </a:r>
+            <a:r>
+              <a:rPr lang="en-US" dirty="0" smtClean="0"/>
+              <a:t>tags</a:t>
             </a:r>
           </a:p>
           <a:p>
@@ -5905,7 +5858,7 @@
     </p:spTree>
     <p:extLst>
       <p:ext uri="{BB962C8B-B14F-4D97-AF65-F5344CB8AC3E}">
-        <p14:creationId xmlns:p14="http://schemas.microsoft.com/office/powerpoint/2010/main" val="1916515407"/>
+        <p14:creationId xmlns:p14="http://schemas.microsoft.com/office/powerpoint/2010/main" val="1678459207"/>
       </p:ext>
     </p:extLst>
   </p:cSld>
@@ -5961,7 +5914,36 @@
           <a:p>
             <a:r>
               <a:rPr lang="da-DK" dirty="0" err="1" smtClean="0"/>
-              <a:t>Add</a:t>
+              <a:t>Branching</a:t>
+            </a:r>
+            <a:endParaRPr lang="da-DK" dirty="0"/>
+          </a:p>
+        </p:txBody>
+      </p:sp>
+      <p:sp>
+        <p:nvSpPr>
+          <p:cNvPr id="3" name="Pladsholder til indhold 2"/>
+          <p:cNvSpPr>
+            <a:spLocks noGrp="1"/>
+          </p:cNvSpPr>
+          <p:nvPr>
+            <p:ph idx="1"/>
+          </p:nvPr>
+        </p:nvSpPr>
+        <p:spPr/>
+        <p:txBody>
+          <a:bodyPr>
+            <a:normAutofit fontScale="92500" lnSpcReduction="10000"/>
+          </a:bodyPr>
+          <a:lstStyle/>
+          <a:p>
+            <a:r>
+              <a:rPr lang="da-DK" dirty="0" smtClean="0"/>
+              <a:t>Branches </a:t>
+            </a:r>
+            <a:r>
+              <a:rPr lang="da-DK" dirty="0" err="1" smtClean="0"/>
+              <a:t>are</a:t>
             </a:r>
             <a:r>
               <a:rPr lang="da-DK" dirty="0" smtClean="0"/>
@@ -5969,7 +5951,7 @@
             </a:r>
             <a:r>
               <a:rPr lang="da-DK" dirty="0" err="1" smtClean="0"/>
-              <a:t>existing</a:t>
+              <a:t>typically</a:t>
             </a:r>
             <a:r>
               <a:rPr lang="da-DK" dirty="0" smtClean="0"/>
@@ -5977,90 +5959,336 @@
             </a:r>
             <a:r>
               <a:rPr lang="da-DK" dirty="0" err="1" smtClean="0"/>
-              <a:t>project</a:t>
-            </a:r>
-            <a:r>
-              <a:rPr lang="da-DK" dirty="0" smtClean="0"/>
-              <a:t> to VCS</a:t>
-            </a:r>
-            <a:endParaRPr lang="da-DK" dirty="0"/>
-          </a:p>
-        </p:txBody>
-      </p:sp>
-      <p:sp>
-        <p:nvSpPr>
-          <p:cNvPr id="3" name="Pladsholder til indhold 2"/>
-          <p:cNvSpPr>
-            <a:spLocks noGrp="1"/>
-          </p:cNvSpPr>
-          <p:nvPr>
-            <p:ph idx="1"/>
-          </p:nvPr>
-        </p:nvSpPr>
-        <p:spPr/>
-        <p:txBody>
-          <a:bodyPr/>
-          <a:lstStyle/>
-          <a:p>
-            <a:r>
-              <a:rPr lang="en-US" dirty="0" err="1"/>
+              <a:t>used</a:t>
+            </a:r>
+            <a:r>
+              <a:rPr lang="da-DK" dirty="0" smtClean="0"/>
+              <a:t> for </a:t>
+            </a:r>
+            <a:r>
+              <a:rPr lang="da-DK" dirty="0" err="1" smtClean="0"/>
+              <a:t>experiments</a:t>
+            </a:r>
+            <a:r>
+              <a:rPr lang="da-DK" dirty="0" smtClean="0"/>
+              <a:t>, bugfixes and feature addition.</a:t>
+            </a:r>
+          </a:p>
+          <a:p>
+            <a:r>
+              <a:rPr lang="da-DK" dirty="0" smtClean="0"/>
+              <a:t>A </a:t>
+            </a:r>
+            <a:r>
+              <a:rPr lang="da-DK" dirty="0" err="1" smtClean="0"/>
+              <a:t>branch</a:t>
+            </a:r>
+            <a:r>
+              <a:rPr lang="da-DK" dirty="0" smtClean="0"/>
+              <a:t>, is a </a:t>
+            </a:r>
+            <a:r>
+              <a:rPr lang="da-DK" dirty="0" err="1" smtClean="0"/>
+              <a:t>seperate</a:t>
+            </a:r>
+            <a:r>
+              <a:rPr lang="da-DK" dirty="0" smtClean="0"/>
+              <a:t> ”</a:t>
+            </a:r>
+            <a:r>
+              <a:rPr lang="da-DK" dirty="0" err="1" smtClean="0"/>
+              <a:t>path</a:t>
+            </a:r>
+            <a:r>
+              <a:rPr lang="da-DK" dirty="0" smtClean="0"/>
+              <a:t>” to </a:t>
+            </a:r>
+            <a:r>
+              <a:rPr lang="da-DK" dirty="0" err="1" smtClean="0"/>
+              <a:t>take</a:t>
+            </a:r>
+            <a:r>
+              <a:rPr lang="da-DK" dirty="0" smtClean="0"/>
+              <a:t> in the </a:t>
+            </a:r>
+            <a:r>
+              <a:rPr lang="da-DK" dirty="0" err="1" smtClean="0"/>
+              <a:t>code</a:t>
+            </a:r>
+            <a:r>
+              <a:rPr lang="da-DK" dirty="0" smtClean="0"/>
+              <a:t> </a:t>
+            </a:r>
+            <a:r>
+              <a:rPr lang="da-DK" dirty="0" err="1" smtClean="0"/>
+              <a:t>history</a:t>
+            </a:r>
+            <a:r>
+              <a:rPr lang="da-DK" dirty="0" smtClean="0"/>
+              <a:t>, and </a:t>
+            </a:r>
+            <a:r>
+              <a:rPr lang="da-DK" dirty="0" err="1" smtClean="0"/>
+              <a:t>does</a:t>
+            </a:r>
+            <a:r>
+              <a:rPr lang="da-DK" dirty="0" smtClean="0"/>
+              <a:t> not </a:t>
+            </a:r>
+            <a:r>
+              <a:rPr lang="da-DK" dirty="0" err="1" smtClean="0"/>
+              <a:t>interfere</a:t>
+            </a:r>
+            <a:r>
+              <a:rPr lang="da-DK" dirty="0" smtClean="0"/>
+              <a:t> with the master.</a:t>
+            </a:r>
+          </a:p>
+          <a:p>
+            <a:r>
+              <a:rPr lang="da-DK" dirty="0" smtClean="0"/>
+              <a:t>To </a:t>
+            </a:r>
+            <a:r>
+              <a:rPr lang="da-DK" dirty="0" err="1" smtClean="0"/>
+              <a:t>create</a:t>
+            </a:r>
+            <a:r>
+              <a:rPr lang="da-DK" dirty="0" smtClean="0"/>
+              <a:t> a </a:t>
+            </a:r>
+            <a:r>
+              <a:rPr lang="da-DK" dirty="0" err="1" smtClean="0"/>
+              <a:t>branch</a:t>
+            </a:r>
+            <a:r>
+              <a:rPr lang="da-DK" dirty="0" smtClean="0"/>
+              <a:t>:</a:t>
+            </a:r>
+          </a:p>
+          <a:p>
+            <a:pPr lvl="1"/>
+            <a:r>
+              <a:rPr lang="da-DK" dirty="0" smtClean="0"/>
+              <a:t>$</a:t>
+            </a:r>
+            <a:r>
+              <a:rPr lang="da-DK" dirty="0" err="1" smtClean="0"/>
               <a:t>git</a:t>
             </a:r>
             <a:r>
-              <a:rPr lang="en-US" dirty="0"/>
-              <a:t> remote add origin </a:t>
-            </a:r>
-            <a:r>
-              <a:rPr lang="en-US" dirty="0">
-                <a:hlinkClick r:id="rId2"/>
-              </a:rPr>
-              <a:t>https</a:t>
-            </a:r>
-            <a:r>
-              <a:rPr lang="en-US" dirty="0" smtClean="0">
-                <a:hlinkClick r:id="rId2"/>
-              </a:rPr>
-              <a:t>://xxxx@bitbucket.org/xxxx/test2.git</a:t>
-            </a:r>
-            <a:endParaRPr lang="en-US" dirty="0" smtClean="0"/>
-          </a:p>
-          <a:p>
-            <a:r>
-              <a:rPr lang="en-US" dirty="0" err="1" smtClean="0"/>
+              <a:rPr lang="da-DK" dirty="0" smtClean="0"/>
+              <a:t> </a:t>
+            </a:r>
+            <a:r>
+              <a:rPr lang="da-DK" dirty="0" err="1" smtClean="0"/>
+              <a:t>branch</a:t>
+            </a:r>
+            <a:r>
+              <a:rPr lang="da-DK" dirty="0" smtClean="0"/>
+              <a:t> &lt;</a:t>
+            </a:r>
+            <a:r>
+              <a:rPr lang="da-DK" dirty="0" err="1" smtClean="0"/>
+              <a:t>name</a:t>
+            </a:r>
+            <a:r>
+              <a:rPr lang="da-DK" dirty="0" smtClean="0"/>
+              <a:t>&gt; OR $</a:t>
+            </a:r>
+            <a:r>
+              <a:rPr lang="da-DK" dirty="0" err="1" smtClean="0"/>
               <a:t>git</a:t>
             </a:r>
             <a:r>
-              <a:rPr lang="en-US" dirty="0" smtClean="0"/>
+              <a:rPr lang="da-DK" dirty="0" smtClean="0"/>
               <a:t> </a:t>
             </a:r>
             <a:r>
-              <a:rPr lang="en-US" dirty="0"/>
-              <a:t>push -u origin --all # pushes up the repo and its refs for the first </a:t>
-            </a:r>
-            <a:r>
-              <a:rPr lang="en-US" dirty="0" smtClean="0"/>
-              <a:t>time</a:t>
-            </a:r>
-          </a:p>
-          <a:p>
-            <a:r>
-              <a:rPr lang="en-US" dirty="0" err="1" smtClean="0"/>
-              <a:t>git</a:t>
-            </a:r>
-            <a:r>
-              <a:rPr lang="en-US" dirty="0" smtClean="0"/>
+              <a:rPr lang="da-DK" dirty="0" err="1" smtClean="0"/>
+              <a:t>checkout</a:t>
+            </a:r>
+            <a:r>
+              <a:rPr lang="da-DK" dirty="0" smtClean="0"/>
+              <a:t> –n &lt;</a:t>
+            </a:r>
+            <a:r>
+              <a:rPr lang="da-DK" dirty="0" err="1" smtClean="0"/>
+              <a:t>name</a:t>
+            </a:r>
+            <a:r>
+              <a:rPr lang="da-DK" dirty="0" smtClean="0"/>
+              <a:t>&gt;</a:t>
+            </a:r>
+          </a:p>
+          <a:p>
+            <a:r>
+              <a:rPr lang="da-DK" dirty="0" err="1" smtClean="0"/>
+              <a:t>Checkout</a:t>
+            </a:r>
+            <a:r>
+              <a:rPr lang="da-DK" dirty="0" smtClean="0"/>
+              <a:t> the </a:t>
+            </a:r>
+            <a:r>
+              <a:rPr lang="da-DK" dirty="0" err="1" smtClean="0"/>
+              <a:t>branch</a:t>
+            </a:r>
+            <a:r>
+              <a:rPr lang="da-DK" dirty="0" smtClean="0"/>
+              <a:t> and start </a:t>
+            </a:r>
+            <a:r>
+              <a:rPr lang="da-DK" dirty="0" err="1" smtClean="0"/>
+              <a:t>working</a:t>
+            </a:r>
+            <a:endParaRPr lang="da-DK" dirty="0" smtClean="0"/>
+          </a:p>
+          <a:p>
+            <a:r>
+              <a:rPr lang="da-DK" dirty="0" err="1" smtClean="0"/>
+              <a:t>When</a:t>
+            </a:r>
+            <a:r>
+              <a:rPr lang="da-DK" dirty="0" smtClean="0"/>
               <a:t> </a:t>
             </a:r>
             <a:r>
-              <a:rPr lang="en-US" dirty="0"/>
-              <a:t>push -u origin --tags # pushes up any </a:t>
-            </a:r>
-            <a:r>
-              <a:rPr lang="en-US" dirty="0" smtClean="0"/>
-              <a:t>tags</a:t>
-            </a:r>
-          </a:p>
-          <a:p>
+              <a:rPr lang="da-DK" dirty="0" err="1" smtClean="0"/>
+              <a:t>you</a:t>
+            </a:r>
+            <a:r>
+              <a:rPr lang="da-DK" dirty="0" smtClean="0"/>
+              <a:t> </a:t>
+            </a:r>
+            <a:r>
+              <a:rPr lang="da-DK" dirty="0" err="1" smtClean="0"/>
+              <a:t>are</a:t>
+            </a:r>
+            <a:r>
+              <a:rPr lang="da-DK" dirty="0" smtClean="0"/>
+              <a:t> done, </a:t>
+            </a:r>
+            <a:r>
+              <a:rPr lang="da-DK" dirty="0" err="1" smtClean="0"/>
+              <a:t>merge</a:t>
+            </a:r>
+            <a:r>
+              <a:rPr lang="da-DK" dirty="0" smtClean="0"/>
+              <a:t> the </a:t>
+            </a:r>
+            <a:r>
+              <a:rPr lang="da-DK" dirty="0" err="1" smtClean="0"/>
+              <a:t>branch</a:t>
+            </a:r>
+            <a:r>
+              <a:rPr lang="da-DK" dirty="0" smtClean="0"/>
+              <a:t> </a:t>
+            </a:r>
+            <a:r>
+              <a:rPr lang="da-DK" dirty="0" err="1" smtClean="0"/>
+              <a:t>into</a:t>
+            </a:r>
+            <a:r>
+              <a:rPr lang="da-DK" dirty="0" smtClean="0"/>
+              <a:t> the master; or </a:t>
+            </a:r>
+            <a:r>
+              <a:rPr lang="da-DK" dirty="0" err="1" smtClean="0"/>
+              <a:t>throw</a:t>
+            </a:r>
+            <a:r>
+              <a:rPr lang="da-DK" dirty="0" smtClean="0"/>
+              <a:t> it </a:t>
+            </a:r>
+            <a:r>
+              <a:rPr lang="da-DK" dirty="0" err="1" smtClean="0"/>
+              <a:t>away</a:t>
+            </a:r>
+            <a:r>
+              <a:rPr lang="da-DK" dirty="0" smtClean="0"/>
+              <a:t>.</a:t>
+            </a:r>
+          </a:p>
+          <a:p>
+            <a:r>
+              <a:rPr lang="da-DK" dirty="0" err="1"/>
+              <a:t>Allows</a:t>
+            </a:r>
+            <a:r>
+              <a:rPr lang="da-DK" dirty="0"/>
+              <a:t> </a:t>
+            </a:r>
+            <a:r>
+              <a:rPr lang="da-DK" dirty="0" err="1"/>
+              <a:t>you</a:t>
+            </a:r>
+            <a:r>
+              <a:rPr lang="da-DK" dirty="0"/>
+              <a:t> to </a:t>
+            </a:r>
+            <a:r>
+              <a:rPr lang="da-DK" dirty="0" err="1"/>
+              <a:t>diverge</a:t>
+            </a:r>
+            <a:r>
+              <a:rPr lang="da-DK" dirty="0"/>
+              <a:t> from the master </a:t>
+            </a:r>
+            <a:r>
+              <a:rPr lang="da-DK" dirty="0" err="1"/>
+              <a:t>branch</a:t>
+            </a:r>
+            <a:r>
+              <a:rPr lang="da-DK" dirty="0"/>
+              <a:t>, and </a:t>
+            </a:r>
+            <a:r>
+              <a:rPr lang="da-DK" dirty="0" err="1"/>
+              <a:t>commit</a:t>
+            </a:r>
+            <a:r>
+              <a:rPr lang="da-DK" dirty="0"/>
+              <a:t> all </a:t>
+            </a:r>
+            <a:r>
+              <a:rPr lang="da-DK" dirty="0" err="1"/>
+              <a:t>you</a:t>
+            </a:r>
+            <a:r>
+              <a:rPr lang="da-DK" dirty="0"/>
+              <a:t> </a:t>
+            </a:r>
+            <a:r>
+              <a:rPr lang="da-DK" dirty="0" err="1"/>
+              <a:t>want</a:t>
+            </a:r>
+            <a:r>
+              <a:rPr lang="da-DK" dirty="0"/>
+              <a:t>, </a:t>
+            </a:r>
+            <a:r>
+              <a:rPr lang="da-DK" dirty="0" err="1"/>
+              <a:t>without</a:t>
+            </a:r>
+            <a:r>
+              <a:rPr lang="da-DK" dirty="0"/>
+              <a:t> </a:t>
+            </a:r>
+            <a:r>
+              <a:rPr lang="da-DK" dirty="0" err="1"/>
+              <a:t>changing</a:t>
+            </a:r>
+            <a:r>
+              <a:rPr lang="da-DK" dirty="0"/>
+              <a:t> it.</a:t>
+            </a:r>
+          </a:p>
+          <a:p>
+            <a:endParaRPr lang="da-DK" dirty="0" smtClean="0"/>
+          </a:p>
+          <a:p>
+            <a:pPr lvl="1"/>
             <a:endParaRPr lang="da-DK" dirty="0"/>
           </a:p>
         </p:txBody>
@@ -6110,7 +6338,7 @@
     </p:spTree>
     <p:extLst>
       <p:ext uri="{BB962C8B-B14F-4D97-AF65-F5344CB8AC3E}">
-        <p14:creationId xmlns:p14="http://schemas.microsoft.com/office/powerpoint/2010/main" val="1678459207"/>
+        <p14:creationId xmlns:p14="http://schemas.microsoft.com/office/powerpoint/2010/main" val="4032102927"/>
       </p:ext>
     </p:extLst>
   </p:cSld>
@@ -6166,7 +6394,23 @@
           <a:p>
             <a:r>
               <a:rPr lang="da-DK" dirty="0" err="1" smtClean="0"/>
-              <a:t>Branching</a:t>
+              <a:t>Quick</a:t>
+            </a:r>
+            <a:r>
+              <a:rPr lang="da-DK" dirty="0" smtClean="0"/>
+              <a:t> </a:t>
+            </a:r>
+            <a:r>
+              <a:rPr lang="da-DK" dirty="0" err="1" smtClean="0"/>
+              <a:t>lingo</a:t>
+            </a:r>
+            <a:r>
+              <a:rPr lang="da-DK" dirty="0" smtClean="0"/>
+              <a:t> </a:t>
+            </a:r>
+            <a:r>
+              <a:rPr lang="da-DK" dirty="0" err="1" smtClean="0"/>
+              <a:t>recap</a:t>
             </a:r>
             <a:endParaRPr lang="da-DK" dirty="0"/>
           </a:p>
@@ -6185,13 +6429,182 @@
         <p:spPr/>
         <p:txBody>
           <a:bodyPr>
-            <a:normAutofit fontScale="92500" lnSpcReduction="10000"/>
+            <a:normAutofit fontScale="85000" lnSpcReduction="10000"/>
           </a:bodyPr>
           <a:lstStyle/>
           <a:p>
             <a:r>
-              <a:rPr lang="da-DK" dirty="0" smtClean="0"/>
-              <a:t>Branches </a:t>
+              <a:rPr lang="da-DK" dirty="0" err="1" smtClean="0"/>
+              <a:t>Init</a:t>
+            </a:r>
+            <a:r>
+              <a:rPr lang="da-DK" dirty="0" smtClean="0"/>
+              <a:t> -&gt; </a:t>
+            </a:r>
+            <a:r>
+              <a:rPr lang="da-DK" dirty="0" err="1" smtClean="0"/>
+              <a:t>Create</a:t>
+            </a:r>
+            <a:r>
+              <a:rPr lang="da-DK" dirty="0" smtClean="0"/>
+              <a:t> a new </a:t>
+            </a:r>
+            <a:r>
+              <a:rPr lang="da-DK" dirty="0" err="1" smtClean="0"/>
+              <a:t>local</a:t>
+            </a:r>
+            <a:r>
+              <a:rPr lang="da-DK" dirty="0" smtClean="0"/>
+              <a:t> </a:t>
+            </a:r>
+            <a:r>
+              <a:rPr lang="da-DK" dirty="0" err="1" smtClean="0"/>
+              <a:t>repo</a:t>
+            </a:r>
+            <a:endParaRPr lang="da-DK" dirty="0" smtClean="0"/>
+          </a:p>
+          <a:p>
+            <a:r>
+              <a:rPr lang="da-DK" dirty="0" err="1" smtClean="0"/>
+              <a:t>Add</a:t>
+            </a:r>
+            <a:r>
+              <a:rPr lang="da-DK" dirty="0" smtClean="0"/>
+              <a:t> -&gt; </a:t>
+            </a:r>
+            <a:r>
+              <a:rPr lang="da-DK" dirty="0" err="1" smtClean="0"/>
+              <a:t>Add</a:t>
+            </a:r>
+            <a:r>
+              <a:rPr lang="da-DK" dirty="0" smtClean="0"/>
+              <a:t> </a:t>
+            </a:r>
+            <a:r>
+              <a:rPr lang="da-DK" dirty="0" err="1" smtClean="0"/>
+              <a:t>change</a:t>
+            </a:r>
+            <a:r>
+              <a:rPr lang="da-DK" dirty="0" smtClean="0"/>
+              <a:t>/file to </a:t>
+            </a:r>
+            <a:r>
+              <a:rPr lang="da-DK" dirty="0" err="1" smtClean="0"/>
+              <a:t>repo</a:t>
+            </a:r>
+            <a:endParaRPr lang="da-DK" dirty="0" smtClean="0"/>
+          </a:p>
+          <a:p>
+            <a:r>
+              <a:rPr lang="da-DK" dirty="0" err="1" smtClean="0"/>
+              <a:t>Commit</a:t>
+            </a:r>
+            <a:r>
+              <a:rPr lang="da-DK" dirty="0" smtClean="0"/>
+              <a:t> -&gt; </a:t>
+            </a:r>
+            <a:r>
+              <a:rPr lang="da-DK" dirty="0" err="1" smtClean="0"/>
+              <a:t>Actually</a:t>
+            </a:r>
+            <a:r>
+              <a:rPr lang="da-DK" dirty="0" smtClean="0"/>
+              <a:t> </a:t>
+            </a:r>
+            <a:r>
+              <a:rPr lang="da-DK" dirty="0" err="1" smtClean="0"/>
+              <a:t>decide</a:t>
+            </a:r>
+            <a:r>
+              <a:rPr lang="da-DK" dirty="0" smtClean="0"/>
+              <a:t> </a:t>
+            </a:r>
+            <a:r>
+              <a:rPr lang="da-DK" dirty="0" err="1" smtClean="0"/>
+              <a:t>that</a:t>
+            </a:r>
+            <a:r>
+              <a:rPr lang="da-DK" dirty="0" smtClean="0"/>
+              <a:t> the </a:t>
+            </a:r>
+            <a:r>
+              <a:rPr lang="da-DK" dirty="0" err="1" smtClean="0"/>
+              <a:t>change</a:t>
+            </a:r>
+            <a:r>
+              <a:rPr lang="da-DK" dirty="0" smtClean="0"/>
+              <a:t> </a:t>
+            </a:r>
+            <a:r>
+              <a:rPr lang="da-DK" dirty="0" err="1" smtClean="0"/>
+              <a:t>should</a:t>
+            </a:r>
+            <a:r>
+              <a:rPr lang="da-DK" dirty="0" smtClean="0"/>
+              <a:t> </a:t>
+            </a:r>
+            <a:r>
+              <a:rPr lang="da-DK" dirty="0" err="1" smtClean="0"/>
+              <a:t>be</a:t>
+            </a:r>
+            <a:r>
+              <a:rPr lang="da-DK" dirty="0" smtClean="0"/>
+              <a:t> mad</a:t>
+            </a:r>
+          </a:p>
+          <a:p>
+            <a:r>
+              <a:rPr lang="da-DK" dirty="0" smtClean="0"/>
+              <a:t>Master -&gt; The </a:t>
+            </a:r>
+            <a:r>
+              <a:rPr lang="da-DK" dirty="0" err="1" smtClean="0"/>
+              <a:t>main</a:t>
+            </a:r>
+            <a:r>
+              <a:rPr lang="da-DK" dirty="0" smtClean="0"/>
+              <a:t> </a:t>
+            </a:r>
+            <a:r>
+              <a:rPr lang="da-DK" dirty="0" err="1" smtClean="0"/>
+              <a:t>branch</a:t>
+            </a:r>
+            <a:endParaRPr lang="da-DK" dirty="0" smtClean="0"/>
+          </a:p>
+          <a:p>
+            <a:r>
+              <a:rPr lang="da-DK" dirty="0" err="1" smtClean="0"/>
+              <a:t>Branch</a:t>
+            </a:r>
+            <a:r>
+              <a:rPr lang="da-DK" dirty="0" smtClean="0"/>
+              <a:t> -&gt; Branches </a:t>
+            </a:r>
+            <a:r>
+              <a:rPr lang="da-DK" dirty="0" err="1" smtClean="0"/>
+              <a:t>can</a:t>
+            </a:r>
+            <a:r>
+              <a:rPr lang="da-DK" dirty="0" smtClean="0"/>
+              <a:t> </a:t>
+            </a:r>
+            <a:r>
+              <a:rPr lang="da-DK" dirty="0" err="1" smtClean="0"/>
+              <a:t>diverge</a:t>
+            </a:r>
+            <a:r>
+              <a:rPr lang="da-DK" dirty="0" smtClean="0"/>
+              <a:t> from master</a:t>
+            </a:r>
+          </a:p>
+          <a:p>
+            <a:r>
+              <a:rPr lang="da-DK" dirty="0" err="1" smtClean="0"/>
+              <a:t>Staging</a:t>
+            </a:r>
+            <a:r>
+              <a:rPr lang="da-DK" dirty="0" smtClean="0"/>
+              <a:t> -&gt; Files </a:t>
             </a:r>
             <a:r>
               <a:rPr lang="da-DK" dirty="0" err="1" smtClean="0"/>
@@ -6203,7 +6616,15 @@
             </a:r>
             <a:r>
               <a:rPr lang="da-DK" dirty="0" err="1" smtClean="0"/>
-              <a:t>typically</a:t>
+              <a:t>added</a:t>
+            </a:r>
+            <a:r>
+              <a:rPr lang="da-DK" dirty="0" smtClean="0"/>
+              <a:t>, but not </a:t>
+            </a:r>
+            <a:r>
+              <a:rPr lang="da-DK" dirty="0" err="1" smtClean="0"/>
+              <a:t>yet</a:t>
             </a:r>
             <a:r>
               <a:rPr lang="da-DK" dirty="0" smtClean="0"/>
@@ -6211,49 +6632,160 @@
             </a:r>
             <a:r>
               <a:rPr lang="da-DK" dirty="0" err="1" smtClean="0"/>
-              <a:t>used</a:t>
-            </a:r>
-            <a:r>
-              <a:rPr lang="da-DK" dirty="0" smtClean="0"/>
-              <a:t> for </a:t>
-            </a:r>
-            <a:r>
-              <a:rPr lang="da-DK" dirty="0" err="1" smtClean="0"/>
-              <a:t>experiments</a:t>
-            </a:r>
-            <a:r>
-              <a:rPr lang="da-DK" dirty="0" smtClean="0"/>
-              <a:t>, bugfixes and feature addition.</a:t>
-            </a:r>
-          </a:p>
-          <a:p>
-            <a:r>
-              <a:rPr lang="da-DK" dirty="0" smtClean="0"/>
-              <a:t>A </a:t>
-            </a:r>
-            <a:r>
-              <a:rPr lang="da-DK" dirty="0" err="1" smtClean="0"/>
-              <a:t>branch</a:t>
-            </a:r>
-            <a:r>
-              <a:rPr lang="da-DK" dirty="0" smtClean="0"/>
-              <a:t>, is a </a:t>
-            </a:r>
-            <a:r>
-              <a:rPr lang="da-DK" dirty="0" err="1" smtClean="0"/>
-              <a:t>seperate</a:t>
-            </a:r>
-            <a:r>
-              <a:rPr lang="da-DK" dirty="0" smtClean="0"/>
-              <a:t> ”</a:t>
-            </a:r>
-            <a:r>
-              <a:rPr lang="da-DK" dirty="0" err="1" smtClean="0"/>
-              <a:t>path</a:t>
-            </a:r>
-            <a:r>
-              <a:rPr lang="da-DK" dirty="0" smtClean="0"/>
-              <a:t>” to </a:t>
+              <a:t>committed</a:t>
+            </a:r>
+            <a:r>
+              <a:rPr lang="da-DK" dirty="0" smtClean="0"/>
+              <a:t>.</a:t>
+            </a:r>
+          </a:p>
+          <a:p>
+            <a:r>
+              <a:rPr lang="da-DK" dirty="0" err="1" smtClean="0"/>
+              <a:t>Clone</a:t>
+            </a:r>
+            <a:r>
+              <a:rPr lang="da-DK" dirty="0" smtClean="0"/>
+              <a:t> -&gt; </a:t>
+            </a:r>
+            <a:r>
+              <a:rPr lang="da-DK" dirty="0" err="1" smtClean="0"/>
+              <a:t>Copy</a:t>
+            </a:r>
+            <a:r>
+              <a:rPr lang="da-DK" dirty="0" smtClean="0"/>
+              <a:t> an </a:t>
+            </a:r>
+            <a:r>
+              <a:rPr lang="da-DK" dirty="0" err="1" smtClean="0"/>
+              <a:t>entire</a:t>
+            </a:r>
+            <a:r>
+              <a:rPr lang="da-DK" dirty="0" smtClean="0"/>
+              <a:t> </a:t>
+            </a:r>
+            <a:r>
+              <a:rPr lang="da-DK" dirty="0" err="1" smtClean="0"/>
+              <a:t>repo</a:t>
+            </a:r>
+            <a:endParaRPr lang="da-DK" dirty="0"/>
+          </a:p>
+          <a:p>
+            <a:r>
+              <a:rPr lang="da-DK" dirty="0" smtClean="0"/>
+              <a:t>Push -&gt; Upload </a:t>
+            </a:r>
+            <a:r>
+              <a:rPr lang="da-DK" dirty="0" err="1" smtClean="0"/>
+              <a:t>your</a:t>
+            </a:r>
+            <a:r>
+              <a:rPr lang="da-DK" dirty="0" smtClean="0"/>
+              <a:t> </a:t>
+            </a:r>
+            <a:r>
+              <a:rPr lang="da-DK" dirty="0" err="1" smtClean="0"/>
+              <a:t>repo</a:t>
+            </a:r>
+            <a:r>
+              <a:rPr lang="da-DK" dirty="0" smtClean="0"/>
+              <a:t> </a:t>
+            </a:r>
+            <a:r>
+              <a:rPr lang="da-DK" dirty="0" err="1" smtClean="0"/>
+              <a:t>remotely</a:t>
+            </a:r>
+            <a:endParaRPr lang="da-DK" dirty="0" smtClean="0"/>
+          </a:p>
+          <a:p>
+            <a:r>
+              <a:rPr lang="da-DK" dirty="0" err="1" smtClean="0"/>
+              <a:t>Pull</a:t>
+            </a:r>
+            <a:r>
+              <a:rPr lang="da-DK" dirty="0" smtClean="0"/>
+              <a:t> -&gt; Download </a:t>
+            </a:r>
+            <a:r>
+              <a:rPr lang="da-DK" dirty="0" err="1" smtClean="0"/>
+              <a:t>changes</a:t>
+            </a:r>
+            <a:r>
+              <a:rPr lang="da-DK" dirty="0" smtClean="0"/>
+              <a:t> from the </a:t>
+            </a:r>
+            <a:r>
+              <a:rPr lang="da-DK" dirty="0" err="1" smtClean="0"/>
+              <a:t>remote</a:t>
+            </a:r>
+            <a:r>
+              <a:rPr lang="da-DK" dirty="0" smtClean="0"/>
+              <a:t> </a:t>
+            </a:r>
+            <a:r>
+              <a:rPr lang="da-DK" dirty="0" err="1" smtClean="0"/>
+              <a:t>repo</a:t>
+            </a:r>
+            <a:endParaRPr lang="da-DK" dirty="0" smtClean="0"/>
+          </a:p>
+          <a:p>
+            <a:r>
+              <a:rPr lang="da-DK" dirty="0"/>
+              <a:t>Fork(</a:t>
+            </a:r>
+            <a:r>
+              <a:rPr lang="da-DK" dirty="0" err="1"/>
+              <a:t>github</a:t>
+            </a:r>
+            <a:r>
+              <a:rPr lang="da-DK" dirty="0"/>
+              <a:t>) -&gt; </a:t>
+            </a:r>
+            <a:r>
+              <a:rPr lang="da-DK" dirty="0" err="1"/>
+              <a:t>Clone</a:t>
+            </a:r>
+            <a:r>
+              <a:rPr lang="da-DK" dirty="0"/>
+              <a:t> a </a:t>
+            </a:r>
+            <a:r>
+              <a:rPr lang="da-DK" dirty="0" err="1"/>
+              <a:t>repo</a:t>
+            </a:r>
+            <a:r>
+              <a:rPr lang="da-DK" dirty="0"/>
+              <a:t> serverside</a:t>
+            </a:r>
+            <a:r>
+              <a:rPr lang="da-DK" dirty="0" smtClean="0"/>
+              <a:t>.</a:t>
+            </a:r>
+          </a:p>
+          <a:p>
+            <a:r>
+              <a:rPr lang="da-DK" dirty="0" err="1" smtClean="0"/>
+              <a:t>Pull</a:t>
+            </a:r>
+            <a:r>
+              <a:rPr lang="da-DK" dirty="0" smtClean="0"/>
+              <a:t> </a:t>
+            </a:r>
+            <a:r>
+              <a:rPr lang="da-DK" dirty="0" err="1" smtClean="0"/>
+              <a:t>request</a:t>
+            </a:r>
+            <a:r>
+              <a:rPr lang="da-DK" dirty="0" smtClean="0"/>
+              <a:t> -&gt; ask </a:t>
+            </a:r>
+            <a:r>
+              <a:rPr lang="da-DK" dirty="0" err="1" smtClean="0"/>
+              <a:t>someone</a:t>
+            </a:r>
+            <a:r>
+              <a:rPr lang="da-DK" dirty="0" smtClean="0"/>
+              <a:t> to </a:t>
             </a:r>
             <a:r>
               <a:rPr lang="da-DK" dirty="0" err="1" smtClean="0"/>
@@ -6261,72 +6793,11 @@
             </a:r>
             <a:r>
               <a:rPr lang="da-DK" dirty="0" smtClean="0"/>
-              <a:t> in the </a:t>
-            </a:r>
-            <a:r>
-              <a:rPr lang="da-DK" dirty="0" err="1" smtClean="0"/>
-              <a:t>code</a:t>
-            </a:r>
-            <a:r>
-              <a:rPr lang="da-DK" dirty="0" smtClean="0"/>
               <a:t> </a:t>
             </a:r>
             <a:r>
               <a:rPr lang="da-DK" dirty="0" err="1" smtClean="0"/>
-              <a:t>history</a:t>
-            </a:r>
-            <a:r>
-              <a:rPr lang="da-DK" dirty="0" smtClean="0"/>
-              <a:t>, and </a:t>
-            </a:r>
-            <a:r>
-              <a:rPr lang="da-DK" dirty="0" err="1" smtClean="0"/>
-              <a:t>does</a:t>
-            </a:r>
-            <a:r>
-              <a:rPr lang="da-DK" dirty="0" smtClean="0"/>
-              <a:t> not </a:t>
-            </a:r>
-            <a:r>
-              <a:rPr lang="da-DK" dirty="0" err="1" smtClean="0"/>
-              <a:t>interfere</a:t>
-            </a:r>
-            <a:r>
-              <a:rPr lang="da-DK" dirty="0" smtClean="0"/>
-              <a:t> with the master.</a:t>
-            </a:r>
-          </a:p>
-          <a:p>
-            <a:r>
-              <a:rPr lang="da-DK" dirty="0" smtClean="0"/>
-              <a:t>To </a:t>
-            </a:r>
-            <a:r>
-              <a:rPr lang="da-DK" dirty="0" err="1" smtClean="0"/>
-              <a:t>create</a:t>
-            </a:r>
-            <a:r>
-              <a:rPr lang="da-DK" dirty="0" smtClean="0"/>
-              <a:t> a </a:t>
-            </a:r>
-            <a:r>
-              <a:rPr lang="da-DK" dirty="0" err="1" smtClean="0"/>
-              <a:t>branch</a:t>
-            </a:r>
-            <a:r>
-              <a:rPr lang="da-DK" dirty="0" smtClean="0"/>
-              <a:t>:</a:t>
-            </a:r>
-          </a:p>
-          <a:p>
-            <a:pPr lvl="1"/>
-            <a:r>
-              <a:rPr lang="da-DK" dirty="0" smtClean="0"/>
-              <a:t>$</a:t>
-            </a:r>
-            <a:r>
-              <a:rPr lang="da-DK" dirty="0" err="1" smtClean="0"/>
-              <a:t>git</a:t>
+              <a:t>your</a:t>
             </a:r>
             <a:r>
               <a:rPr lang="da-DK" dirty="0" smtClean="0"/>
@@ -6334,213 +6805,11 @@
             </a:r>
             <a:r>
               <a:rPr lang="da-DK" dirty="0" err="1" smtClean="0"/>
-              <a:t>branch</a:t>
-            </a:r>
-            <a:r>
-              <a:rPr lang="da-DK" dirty="0" smtClean="0"/>
-              <a:t> &lt;</a:t>
-            </a:r>
-            <a:r>
-              <a:rPr lang="da-DK" dirty="0" err="1" smtClean="0"/>
-              <a:t>name</a:t>
-            </a:r>
-            <a:r>
-              <a:rPr lang="da-DK" dirty="0" smtClean="0"/>
-              <a:t>&gt; OR $</a:t>
-            </a:r>
-            <a:r>
-              <a:rPr lang="da-DK" dirty="0" err="1" smtClean="0"/>
-              <a:t>git</a:t>
-            </a:r>
-            <a:r>
-              <a:rPr lang="da-DK" dirty="0" smtClean="0"/>
-              <a:t> </a:t>
-            </a:r>
-            <a:r>
-              <a:rPr lang="da-DK" dirty="0" err="1" smtClean="0"/>
-              <a:t>checkout</a:t>
-            </a:r>
-            <a:r>
-              <a:rPr lang="da-DK" dirty="0" smtClean="0"/>
-              <a:t> –n &lt;</a:t>
-            </a:r>
-            <a:r>
-              <a:rPr lang="da-DK" dirty="0" err="1" smtClean="0"/>
-              <a:t>name</a:t>
-            </a:r>
-            <a:r>
-              <a:rPr lang="da-DK" dirty="0" smtClean="0"/>
-              <a:t>&gt;</a:t>
-            </a:r>
-          </a:p>
-          <a:p>
-            <a:r>
-              <a:rPr lang="da-DK" dirty="0" err="1" smtClean="0"/>
-              <a:t>Checkout</a:t>
-            </a:r>
-            <a:r>
-              <a:rPr lang="da-DK" dirty="0" smtClean="0"/>
-              <a:t> the </a:t>
-            </a:r>
-            <a:r>
-              <a:rPr lang="da-DK" dirty="0" err="1" smtClean="0"/>
-              <a:t>branch</a:t>
-            </a:r>
-            <a:r>
-              <a:rPr lang="da-DK" dirty="0" smtClean="0"/>
-              <a:t> and start </a:t>
-            </a:r>
-            <a:r>
-              <a:rPr lang="da-DK" dirty="0" err="1" smtClean="0"/>
-              <a:t>working</a:t>
+              <a:t>changes</a:t>
             </a:r>
             <a:endParaRPr lang="da-DK" dirty="0" smtClean="0"/>
           </a:p>
           <a:p>
-            <a:r>
-              <a:rPr lang="da-DK" dirty="0" err="1" smtClean="0"/>
-              <a:t>When</a:t>
-            </a:r>
-            <a:r>
-              <a:rPr lang="da-DK" dirty="0" smtClean="0"/>
-              <a:t> </a:t>
-            </a:r>
-            <a:r>
-              <a:rPr lang="da-DK" dirty="0" err="1" smtClean="0"/>
-              <a:t>you</a:t>
-            </a:r>
-            <a:r>
-              <a:rPr lang="da-DK" dirty="0" smtClean="0"/>
-              <a:t> </a:t>
-            </a:r>
-            <a:r>
-              <a:rPr lang="da-DK" dirty="0" err="1" smtClean="0"/>
-              <a:t>are</a:t>
-            </a:r>
-            <a:r>
-              <a:rPr lang="da-DK" dirty="0" smtClean="0"/>
-              <a:t> done, </a:t>
-            </a:r>
-            <a:r>
-              <a:rPr lang="da-DK" dirty="0" err="1" smtClean="0"/>
-              <a:t>merge</a:t>
-            </a:r>
-            <a:r>
-              <a:rPr lang="da-DK" dirty="0" smtClean="0"/>
-              <a:t> the </a:t>
-            </a:r>
-            <a:r>
-              <a:rPr lang="da-DK" dirty="0" err="1" smtClean="0"/>
-              <a:t>branch</a:t>
-            </a:r>
-            <a:r>
-              <a:rPr lang="da-DK" dirty="0" smtClean="0"/>
-              <a:t> </a:t>
-            </a:r>
-            <a:r>
-              <a:rPr lang="da-DK" dirty="0" err="1" smtClean="0"/>
-              <a:t>into</a:t>
-            </a:r>
-            <a:r>
-              <a:rPr lang="da-DK" dirty="0" smtClean="0"/>
-              <a:t> the master; or </a:t>
-            </a:r>
-            <a:r>
-              <a:rPr lang="da-DK" dirty="0" err="1" smtClean="0"/>
-              <a:t>throw</a:t>
-            </a:r>
-            <a:r>
-              <a:rPr lang="da-DK" dirty="0" smtClean="0"/>
-              <a:t> it </a:t>
-            </a:r>
-            <a:r>
-              <a:rPr lang="da-DK" dirty="0" err="1" smtClean="0"/>
-              <a:t>away</a:t>
-            </a:r>
-            <a:r>
-              <a:rPr lang="da-DK" dirty="0" smtClean="0"/>
-              <a:t>.</a:t>
-            </a:r>
-          </a:p>
-          <a:p>
-            <a:r>
-              <a:rPr lang="da-DK" dirty="0" err="1"/>
-              <a:t>Allows</a:t>
-            </a:r>
-            <a:r>
-              <a:rPr lang="da-DK" dirty="0"/>
-              <a:t> </a:t>
-            </a:r>
-            <a:r>
-              <a:rPr lang="da-DK" dirty="0" err="1"/>
-              <a:t>you</a:t>
-            </a:r>
-            <a:r>
-              <a:rPr lang="da-DK" dirty="0"/>
-              <a:t> to </a:t>
-            </a:r>
-            <a:r>
-              <a:rPr lang="da-DK" dirty="0" err="1"/>
-              <a:t>diverge</a:t>
-            </a:r>
-            <a:r>
-              <a:rPr lang="da-DK" dirty="0"/>
-              <a:t> from the master </a:t>
-            </a:r>
-            <a:r>
-              <a:rPr lang="da-DK" dirty="0" err="1"/>
-              <a:t>branch</a:t>
-            </a:r>
-            <a:r>
-              <a:rPr lang="da-DK" dirty="0"/>
-              <a:t>, and </a:t>
-            </a:r>
-            <a:r>
-              <a:rPr lang="da-DK" dirty="0" err="1"/>
-              <a:t>commit</a:t>
-            </a:r>
-            <a:r>
-              <a:rPr lang="da-DK" dirty="0"/>
-              <a:t> all </a:t>
-            </a:r>
-            <a:r>
-              <a:rPr lang="da-DK" dirty="0" err="1"/>
-              <a:t>you</a:t>
-            </a:r>
-            <a:r>
-              <a:rPr lang="da-DK" dirty="0"/>
-              <a:t> </a:t>
-            </a:r>
-            <a:r>
-              <a:rPr lang="da-DK" dirty="0" err="1"/>
-              <a:t>want</a:t>
-            </a:r>
-            <a:r>
-              <a:rPr lang="da-DK" dirty="0"/>
-              <a:t>, </a:t>
-            </a:r>
-            <a:r>
-              <a:rPr lang="da-DK" dirty="0" err="1"/>
-              <a:t>without</a:t>
-            </a:r>
-            <a:r>
-              <a:rPr lang="da-DK" dirty="0"/>
-              <a:t> </a:t>
-            </a:r>
-            <a:r>
-              <a:rPr lang="da-DK" dirty="0" err="1"/>
-              <a:t>changing</a:t>
-            </a:r>
-            <a:r>
-              <a:rPr lang="da-DK" dirty="0"/>
-              <a:t> it.</a:t>
-            </a:r>
-          </a:p>
-          <a:p>
-            <a:endParaRPr lang="da-DK" dirty="0" smtClean="0"/>
-          </a:p>
-          <a:p>
-            <a:pPr lvl="1"/>
             <a:endParaRPr lang="da-DK" dirty="0"/>
           </a:p>
         </p:txBody>
@@ -6590,7 +6859,7 @@
     </p:spTree>
     <p:extLst>
       <p:ext uri="{BB962C8B-B14F-4D97-AF65-F5344CB8AC3E}">
-        <p14:creationId xmlns:p14="http://schemas.microsoft.com/office/powerpoint/2010/main" val="4032102927"/>
+        <p14:creationId xmlns:p14="http://schemas.microsoft.com/office/powerpoint/2010/main" val="95375258"/>
       </p:ext>
     </p:extLst>
   </p:cSld>
@@ -6645,24 +6914,8 @@
           <a:lstStyle/>
           <a:p>
             <a:r>
-              <a:rPr lang="da-DK" dirty="0" err="1" smtClean="0"/>
-              <a:t>Quick</a:t>
-            </a:r>
-            <a:r>
-              <a:rPr lang="da-DK" dirty="0" smtClean="0"/>
-              <a:t> </a:t>
-            </a:r>
-            <a:r>
-              <a:rPr lang="da-DK" dirty="0" err="1" smtClean="0"/>
-              <a:t>lingo</a:t>
-            </a:r>
-            <a:r>
-              <a:rPr lang="da-DK" dirty="0" smtClean="0"/>
-              <a:t> </a:t>
-            </a:r>
-            <a:r>
-              <a:rPr lang="da-DK" dirty="0" err="1" smtClean="0"/>
-              <a:t>recap</a:t>
+              <a:rPr lang="da-DK" dirty="0" smtClean="0"/>
+              <a:t>DEMO</a:t>
             </a:r>
             <a:endParaRPr lang="da-DK" dirty="0"/>
           </a:p>
@@ -6680,387 +6933,8 @@
         </p:nvSpPr>
         <p:spPr/>
         <p:txBody>
-          <a:bodyPr>
-            <a:normAutofit fontScale="85000" lnSpcReduction="10000"/>
-          </a:bodyPr>
-          <a:lstStyle/>
-          <a:p>
-            <a:r>
-              <a:rPr lang="da-DK" dirty="0" err="1" smtClean="0"/>
-              <a:t>Init</a:t>
-            </a:r>
-            <a:r>
-              <a:rPr lang="da-DK" dirty="0" smtClean="0"/>
-              <a:t> -&gt; </a:t>
-            </a:r>
-            <a:r>
-              <a:rPr lang="da-DK" dirty="0" err="1" smtClean="0"/>
-              <a:t>Create</a:t>
-            </a:r>
-            <a:r>
-              <a:rPr lang="da-DK" dirty="0" smtClean="0"/>
-              <a:t> a new </a:t>
-            </a:r>
-            <a:r>
-              <a:rPr lang="da-DK" dirty="0" err="1" smtClean="0"/>
-              <a:t>local</a:t>
-            </a:r>
-            <a:r>
-              <a:rPr lang="da-DK" dirty="0" smtClean="0"/>
-              <a:t> </a:t>
-            </a:r>
-            <a:r>
-              <a:rPr lang="da-DK" dirty="0" err="1" smtClean="0"/>
-              <a:t>repo</a:t>
-            </a:r>
-            <a:endParaRPr lang="da-DK" dirty="0" smtClean="0"/>
-          </a:p>
-          <a:p>
-            <a:r>
-              <a:rPr lang="da-DK" dirty="0" err="1" smtClean="0"/>
-              <a:t>Add</a:t>
-            </a:r>
-            <a:r>
-              <a:rPr lang="da-DK" dirty="0" smtClean="0"/>
-              <a:t> -&gt; </a:t>
-            </a:r>
-            <a:r>
-              <a:rPr lang="da-DK" dirty="0" err="1" smtClean="0"/>
-              <a:t>Add</a:t>
-            </a:r>
-            <a:r>
-              <a:rPr lang="da-DK" dirty="0" smtClean="0"/>
-              <a:t> </a:t>
-            </a:r>
-            <a:r>
-              <a:rPr lang="da-DK" dirty="0" err="1" smtClean="0"/>
-              <a:t>change</a:t>
-            </a:r>
-            <a:r>
-              <a:rPr lang="da-DK" dirty="0" smtClean="0"/>
-              <a:t>/file to </a:t>
-            </a:r>
-            <a:r>
-              <a:rPr lang="da-DK" dirty="0" err="1" smtClean="0"/>
-              <a:t>repo</a:t>
-            </a:r>
-            <a:endParaRPr lang="da-DK" dirty="0" smtClean="0"/>
-          </a:p>
-          <a:p>
-            <a:r>
-              <a:rPr lang="da-DK" dirty="0" err="1" smtClean="0"/>
-              <a:t>Commit</a:t>
-            </a:r>
-            <a:r>
-              <a:rPr lang="da-DK" dirty="0" smtClean="0"/>
-              <a:t> -&gt; </a:t>
-            </a:r>
-            <a:r>
-              <a:rPr lang="da-DK" dirty="0" err="1" smtClean="0"/>
-              <a:t>Actually</a:t>
-            </a:r>
-            <a:r>
-              <a:rPr lang="da-DK" dirty="0" smtClean="0"/>
-              <a:t> </a:t>
-            </a:r>
-            <a:r>
-              <a:rPr lang="da-DK" dirty="0" err="1" smtClean="0"/>
-              <a:t>decide</a:t>
-            </a:r>
-            <a:r>
-              <a:rPr lang="da-DK" dirty="0" smtClean="0"/>
-              <a:t> </a:t>
-            </a:r>
-            <a:r>
-              <a:rPr lang="da-DK" dirty="0" err="1" smtClean="0"/>
-              <a:t>that</a:t>
-            </a:r>
-            <a:r>
-              <a:rPr lang="da-DK" dirty="0" smtClean="0"/>
-              <a:t> the </a:t>
-            </a:r>
-            <a:r>
-              <a:rPr lang="da-DK" dirty="0" err="1" smtClean="0"/>
-              <a:t>change</a:t>
-            </a:r>
-            <a:r>
-              <a:rPr lang="da-DK" dirty="0" smtClean="0"/>
-              <a:t> </a:t>
-            </a:r>
-            <a:r>
-              <a:rPr lang="da-DK" dirty="0" err="1" smtClean="0"/>
-              <a:t>should</a:t>
-            </a:r>
-            <a:r>
-              <a:rPr lang="da-DK" dirty="0" smtClean="0"/>
-              <a:t> </a:t>
-            </a:r>
-            <a:r>
-              <a:rPr lang="da-DK" dirty="0" err="1" smtClean="0"/>
-              <a:t>be</a:t>
-            </a:r>
-            <a:r>
-              <a:rPr lang="da-DK" dirty="0" smtClean="0"/>
-              <a:t> mad</a:t>
-            </a:r>
-          </a:p>
-          <a:p>
-            <a:r>
-              <a:rPr lang="da-DK" dirty="0" smtClean="0"/>
-              <a:t>Master -&gt; The </a:t>
-            </a:r>
-            <a:r>
-              <a:rPr lang="da-DK" dirty="0" err="1" smtClean="0"/>
-              <a:t>main</a:t>
-            </a:r>
-            <a:r>
-              <a:rPr lang="da-DK" dirty="0" smtClean="0"/>
-              <a:t> </a:t>
-            </a:r>
-            <a:r>
-              <a:rPr lang="da-DK" dirty="0" err="1" smtClean="0"/>
-              <a:t>branch</a:t>
-            </a:r>
-            <a:endParaRPr lang="da-DK" dirty="0" smtClean="0"/>
-          </a:p>
-          <a:p>
-            <a:r>
-              <a:rPr lang="da-DK" dirty="0" err="1" smtClean="0"/>
-              <a:t>Branch</a:t>
-            </a:r>
-            <a:r>
-              <a:rPr lang="da-DK" dirty="0" smtClean="0"/>
-              <a:t> -&gt; Branches </a:t>
-            </a:r>
-            <a:r>
-              <a:rPr lang="da-DK" dirty="0" err="1" smtClean="0"/>
-              <a:t>can</a:t>
-            </a:r>
-            <a:r>
-              <a:rPr lang="da-DK" dirty="0" smtClean="0"/>
-              <a:t> </a:t>
-            </a:r>
-            <a:r>
-              <a:rPr lang="da-DK" dirty="0" err="1" smtClean="0"/>
-              <a:t>diverge</a:t>
-            </a:r>
-            <a:r>
-              <a:rPr lang="da-DK" dirty="0" smtClean="0"/>
-              <a:t> from master</a:t>
-            </a:r>
-          </a:p>
-          <a:p>
-            <a:r>
-              <a:rPr lang="da-DK" dirty="0" err="1" smtClean="0"/>
-              <a:t>Staging</a:t>
-            </a:r>
-            <a:r>
-              <a:rPr lang="da-DK" dirty="0" smtClean="0"/>
-              <a:t> -&gt; Files </a:t>
-            </a:r>
-            <a:r>
-              <a:rPr lang="da-DK" dirty="0" err="1" smtClean="0"/>
-              <a:t>are</a:t>
-            </a:r>
-            <a:r>
-              <a:rPr lang="da-DK" dirty="0" smtClean="0"/>
-              <a:t> </a:t>
-            </a:r>
-            <a:r>
-              <a:rPr lang="da-DK" dirty="0" err="1" smtClean="0"/>
-              <a:t>added</a:t>
-            </a:r>
-            <a:r>
-              <a:rPr lang="da-DK" dirty="0" smtClean="0"/>
-              <a:t>, but not </a:t>
-            </a:r>
-            <a:r>
-              <a:rPr lang="da-DK" dirty="0" err="1" smtClean="0"/>
-              <a:t>yet</a:t>
-            </a:r>
-            <a:r>
-              <a:rPr lang="da-DK" dirty="0" smtClean="0"/>
-              <a:t> </a:t>
-            </a:r>
-            <a:r>
-              <a:rPr lang="da-DK" dirty="0" err="1" smtClean="0"/>
-              <a:t>committed</a:t>
-            </a:r>
-            <a:r>
-              <a:rPr lang="da-DK" dirty="0" smtClean="0"/>
-              <a:t>.</a:t>
-            </a:r>
-          </a:p>
-          <a:p>
-            <a:r>
-              <a:rPr lang="da-DK" dirty="0" err="1" smtClean="0"/>
-              <a:t>Clone</a:t>
-            </a:r>
-            <a:r>
-              <a:rPr lang="da-DK" dirty="0" smtClean="0"/>
-              <a:t> -&gt; </a:t>
-            </a:r>
-            <a:r>
-              <a:rPr lang="da-DK" dirty="0" err="1" smtClean="0"/>
-              <a:t>Copy</a:t>
-            </a:r>
-            <a:r>
-              <a:rPr lang="da-DK" dirty="0" smtClean="0"/>
-              <a:t> an </a:t>
-            </a:r>
-            <a:r>
-              <a:rPr lang="da-DK" dirty="0" err="1" smtClean="0"/>
-              <a:t>entire</a:t>
-            </a:r>
-            <a:r>
-              <a:rPr lang="da-DK" dirty="0" smtClean="0"/>
-              <a:t> </a:t>
-            </a:r>
-            <a:r>
-              <a:rPr lang="da-DK" dirty="0" err="1" smtClean="0"/>
-              <a:t>repo</a:t>
-            </a:r>
-            <a:endParaRPr lang="da-DK" dirty="0"/>
-          </a:p>
-          <a:p>
-            <a:r>
-              <a:rPr lang="da-DK" dirty="0" smtClean="0"/>
-              <a:t>Push -&gt; Upload </a:t>
-            </a:r>
-            <a:r>
-              <a:rPr lang="da-DK" dirty="0" err="1" smtClean="0"/>
-              <a:t>your</a:t>
-            </a:r>
-            <a:r>
-              <a:rPr lang="da-DK" dirty="0" smtClean="0"/>
-              <a:t> </a:t>
-            </a:r>
-            <a:r>
-              <a:rPr lang="da-DK" dirty="0" err="1" smtClean="0"/>
-              <a:t>repo</a:t>
-            </a:r>
-            <a:r>
-              <a:rPr lang="da-DK" dirty="0" smtClean="0"/>
-              <a:t> </a:t>
-            </a:r>
-            <a:r>
-              <a:rPr lang="da-DK" dirty="0" err="1" smtClean="0"/>
-              <a:t>remotely</a:t>
-            </a:r>
-            <a:endParaRPr lang="da-DK" dirty="0" smtClean="0"/>
-          </a:p>
-          <a:p>
-            <a:r>
-              <a:rPr lang="da-DK" dirty="0" err="1" smtClean="0"/>
-              <a:t>Pull</a:t>
-            </a:r>
-            <a:r>
-              <a:rPr lang="da-DK" dirty="0" smtClean="0"/>
-              <a:t> -&gt; Download </a:t>
-            </a:r>
-            <a:r>
-              <a:rPr lang="da-DK" dirty="0" err="1" smtClean="0"/>
-              <a:t>changes</a:t>
-            </a:r>
-            <a:r>
-              <a:rPr lang="da-DK" dirty="0" smtClean="0"/>
-              <a:t> from the </a:t>
-            </a:r>
-            <a:r>
-              <a:rPr lang="da-DK" dirty="0" err="1" smtClean="0"/>
-              <a:t>remote</a:t>
-            </a:r>
-            <a:r>
-              <a:rPr lang="da-DK" dirty="0" smtClean="0"/>
-              <a:t> </a:t>
-            </a:r>
-            <a:r>
-              <a:rPr lang="da-DK" dirty="0" err="1" smtClean="0"/>
-              <a:t>repo</a:t>
-            </a:r>
-            <a:endParaRPr lang="da-DK" dirty="0" smtClean="0"/>
-          </a:p>
-          <a:p>
-            <a:r>
-              <a:rPr lang="da-DK" dirty="0"/>
-              <a:t>Fork(</a:t>
-            </a:r>
-            <a:r>
-              <a:rPr lang="da-DK" dirty="0" err="1"/>
-              <a:t>github</a:t>
-            </a:r>
-            <a:r>
-              <a:rPr lang="da-DK" dirty="0"/>
-              <a:t>) -&gt; </a:t>
-            </a:r>
-            <a:r>
-              <a:rPr lang="da-DK" dirty="0" err="1"/>
-              <a:t>Clone</a:t>
-            </a:r>
-            <a:r>
-              <a:rPr lang="da-DK" dirty="0"/>
-              <a:t> a </a:t>
-            </a:r>
-            <a:r>
-              <a:rPr lang="da-DK" dirty="0" err="1"/>
-              <a:t>repo</a:t>
-            </a:r>
-            <a:r>
-              <a:rPr lang="da-DK" dirty="0"/>
-              <a:t> serverside</a:t>
-            </a:r>
-            <a:r>
-              <a:rPr lang="da-DK" dirty="0" smtClean="0"/>
-              <a:t>.</a:t>
-            </a:r>
-          </a:p>
-          <a:p>
-            <a:r>
-              <a:rPr lang="da-DK" dirty="0" err="1" smtClean="0"/>
-              <a:t>Pull</a:t>
-            </a:r>
-            <a:r>
-              <a:rPr lang="da-DK" dirty="0" smtClean="0"/>
-              <a:t> </a:t>
-            </a:r>
-            <a:r>
-              <a:rPr lang="da-DK" dirty="0" err="1" smtClean="0"/>
-              <a:t>request</a:t>
-            </a:r>
-            <a:r>
-              <a:rPr lang="da-DK" dirty="0" smtClean="0"/>
-              <a:t> -&gt; ask </a:t>
-            </a:r>
-            <a:r>
-              <a:rPr lang="da-DK" dirty="0" err="1" smtClean="0"/>
-              <a:t>someone</a:t>
-            </a:r>
-            <a:r>
-              <a:rPr lang="da-DK" dirty="0" smtClean="0"/>
-              <a:t> to </a:t>
-            </a:r>
-            <a:r>
-              <a:rPr lang="da-DK" dirty="0" err="1" smtClean="0"/>
-              <a:t>take</a:t>
-            </a:r>
-            <a:r>
-              <a:rPr lang="da-DK" dirty="0" smtClean="0"/>
-              <a:t> </a:t>
-            </a:r>
-            <a:r>
-              <a:rPr lang="da-DK" dirty="0" err="1" smtClean="0"/>
-              <a:t>your</a:t>
-            </a:r>
-            <a:r>
-              <a:rPr lang="da-DK" dirty="0" smtClean="0"/>
-              <a:t> </a:t>
-            </a:r>
-            <a:r>
-              <a:rPr lang="da-DK" dirty="0" err="1" smtClean="0"/>
-              <a:t>changes</a:t>
-            </a:r>
-            <a:endParaRPr lang="da-DK" dirty="0" smtClean="0"/>
-          </a:p>
+          <a:bodyPr/>
+          <a:lstStyle/>
           <a:p>
             <a:endParaRPr lang="da-DK" dirty="0"/>
           </a:p>
@@ -7111,7 +6985,7 @@
     </p:spTree>
     <p:extLst>
       <p:ext uri="{BB962C8B-B14F-4D97-AF65-F5344CB8AC3E}">
-        <p14:creationId xmlns:p14="http://schemas.microsoft.com/office/powerpoint/2010/main" val="95375258"/>
+        <p14:creationId xmlns:p14="http://schemas.microsoft.com/office/powerpoint/2010/main" val="60709622"/>
       </p:ext>
     </p:extLst>
   </p:cSld>
@@ -7166,8 +7040,8 @@
           <a:lstStyle/>
           <a:p>
             <a:r>
-              <a:rPr lang="da-DK" dirty="0" smtClean="0"/>
-              <a:t>DEMO</a:t>
+              <a:rPr lang="da-DK" dirty="0" err="1" smtClean="0"/>
+              <a:t>Excercises</a:t>
             </a:r>
             <a:endParaRPr lang="da-DK" dirty="0"/>
           </a:p>
@@ -7185,8 +7059,254 @@
         </p:nvSpPr>
         <p:spPr/>
         <p:txBody>
-          <a:bodyPr/>
-          <a:lstStyle/>
+          <a:bodyPr>
+            <a:normAutofit fontScale="47500" lnSpcReduction="20000"/>
+          </a:bodyPr>
+          <a:lstStyle/>
+          <a:p>
+            <a:r>
+              <a:rPr lang="en-US" dirty="0"/>
+              <a:t>Install </a:t>
+            </a:r>
+            <a:r>
+              <a:rPr lang="en-US" dirty="0" err="1"/>
+              <a:t>Git</a:t>
+            </a:r>
+            <a:endParaRPr lang="en-US" dirty="0"/>
+          </a:p>
+          <a:p>
+            <a:r>
+              <a:rPr lang="en-US" dirty="0" err="1"/>
+              <a:t>Git</a:t>
+            </a:r>
+            <a:r>
+              <a:rPr lang="en-US" dirty="0"/>
+              <a:t> is a version control system that you can use for personal version control or for collaborating with others. I use </a:t>
+            </a:r>
+            <a:r>
+              <a:rPr lang="en-US" dirty="0" err="1"/>
+              <a:t>Git</a:t>
+            </a:r>
+            <a:r>
+              <a:rPr lang="en-US" dirty="0"/>
+              <a:t> for updating the files for this module in web development. To use </a:t>
+            </a:r>
+            <a:r>
+              <a:rPr lang="en-US" dirty="0" err="1"/>
+              <a:t>Git</a:t>
+            </a:r>
+            <a:r>
+              <a:rPr lang="en-US" dirty="0"/>
+              <a:t> you first have to install </a:t>
+            </a:r>
+            <a:r>
+              <a:rPr lang="en-US" dirty="0" err="1"/>
+              <a:t>Git</a:t>
+            </a:r>
+            <a:r>
+              <a:rPr lang="en-US" dirty="0"/>
+              <a:t> on your PC, after doing that you can use </a:t>
+            </a:r>
+            <a:r>
+              <a:rPr lang="en-US" dirty="0" err="1"/>
+              <a:t>Git</a:t>
+            </a:r>
+            <a:r>
+              <a:rPr lang="en-US" dirty="0"/>
+              <a:t> to download and update all the files.</a:t>
+            </a:r>
+            <a:br>
+              <a:rPr lang="en-US" dirty="0"/>
+            </a:br>
+            <a:endParaRPr lang="en-US" dirty="0"/>
+          </a:p>
+          <a:p>
+            <a:r>
+              <a:rPr lang="en-US" dirty="0"/>
+              <a:t>Install </a:t>
+            </a:r>
+            <a:r>
+              <a:rPr lang="en-US" dirty="0" err="1"/>
+              <a:t>Git</a:t>
+            </a:r>
+            <a:r>
+              <a:rPr lang="en-US" dirty="0"/>
+              <a:t> from </a:t>
+            </a:r>
+            <a:r>
+              <a:rPr lang="en-US" u="sng" dirty="0" err="1">
+                <a:hlinkClick r:id="rId2"/>
+              </a:rPr>
+              <a:t>git-scm</a:t>
+            </a:r>
+            <a:endParaRPr lang="en-US" dirty="0"/>
+          </a:p>
+          <a:p>
+            <a:r>
+              <a:rPr lang="en-US" dirty="0"/>
+              <a:t>Sometimes you have to add </a:t>
+            </a:r>
+            <a:r>
+              <a:rPr lang="en-US" dirty="0" err="1"/>
+              <a:t>Git</a:t>
+            </a:r>
+            <a:r>
+              <a:rPr lang="en-US" dirty="0"/>
+              <a:t> to the environment variables in Windows - add "C:\Program Files (x86)\</a:t>
+            </a:r>
+            <a:r>
+              <a:rPr lang="en-US" dirty="0" err="1"/>
+              <a:t>Git</a:t>
+            </a:r>
+            <a:r>
+              <a:rPr lang="en-US" dirty="0"/>
+              <a:t>\</a:t>
+            </a:r>
+            <a:r>
+              <a:rPr lang="en-US" dirty="0" err="1"/>
+              <a:t>cmd</a:t>
+            </a:r>
+            <a:r>
+              <a:rPr lang="en-US" dirty="0"/>
+              <a:t>" to PATH</a:t>
+            </a:r>
+            <a:br>
+              <a:rPr lang="en-US" dirty="0"/>
+            </a:br>
+            <a:endParaRPr lang="en-US" dirty="0"/>
+          </a:p>
+          <a:p>
+            <a:r>
+              <a:rPr lang="en-US" dirty="0"/>
+              <a:t>Do a clone request</a:t>
+            </a:r>
+            <a:br>
+              <a:rPr lang="en-US" dirty="0"/>
+            </a:br>
+            <a:r>
+              <a:rPr lang="en-US" dirty="0"/>
+              <a:t>$ </a:t>
+            </a:r>
+            <a:r>
+              <a:rPr lang="en-US" dirty="0" err="1"/>
+              <a:t>git</a:t>
+            </a:r>
+            <a:r>
+              <a:rPr lang="en-US" dirty="0"/>
+              <a:t> clone </a:t>
+            </a:r>
+            <a:r>
+              <a:rPr lang="en-US" dirty="0">
+                <a:hlinkClick r:id="rId3"/>
+              </a:rPr>
+              <a:t>https://</a:t>
+            </a:r>
+            <a:r>
+              <a:rPr lang="en-US" dirty="0" smtClean="0">
+                <a:hlinkClick r:id="rId3"/>
+              </a:rPr>
+              <a:t>github.com/ucnpbaweb/0915-Web-Programming-Front-end.git</a:t>
+            </a:r>
+            <a:endParaRPr lang="en-US" dirty="0" smtClean="0"/>
+          </a:p>
+          <a:p>
+            <a:r>
+              <a:rPr lang="en-US" dirty="0" smtClean="0"/>
+              <a:t>Each </a:t>
+            </a:r>
+            <a:r>
+              <a:rPr lang="en-US" dirty="0"/>
+              <a:t>time I add something to the repository browse to the folder and do a pull request</a:t>
+            </a:r>
+            <a:br>
+              <a:rPr lang="en-US" dirty="0"/>
+            </a:br>
+            <a:endParaRPr lang="en-US" dirty="0"/>
+          </a:p>
+          <a:p>
+            <a:r>
+              <a:rPr lang="en-US" dirty="0"/>
+              <a:t>$ </a:t>
+            </a:r>
+            <a:r>
+              <a:rPr lang="en-US" dirty="0" err="1"/>
+              <a:t>git</a:t>
+            </a:r>
+            <a:r>
+              <a:rPr lang="en-US" dirty="0"/>
+              <a:t> pull </a:t>
+            </a:r>
+            <a:br>
+              <a:rPr lang="en-US" dirty="0"/>
+            </a:br>
+            <a:endParaRPr lang="en-US" dirty="0"/>
+          </a:p>
+          <a:p>
+            <a:r>
+              <a:rPr lang="en-US" dirty="0"/>
+              <a:t>For more help on using </a:t>
+            </a:r>
+            <a:r>
+              <a:rPr lang="en-US" dirty="0" err="1"/>
+              <a:t>Git</a:t>
+            </a:r>
+            <a:r>
+              <a:rPr lang="en-US" dirty="0"/>
+              <a:t>:</a:t>
+            </a:r>
+          </a:p>
+          <a:p>
+            <a:r>
+              <a:rPr lang="en-US" u="sng" dirty="0">
+                <a:hlinkClick r:id="rId4"/>
+              </a:rPr>
+              <a:t>https://www.atlassian.com/git/tutorial/</a:t>
+            </a:r>
+            <a:endParaRPr lang="en-US" dirty="0"/>
+          </a:p>
+          <a:p>
+            <a:r>
+              <a:rPr lang="en-US" u="sng" dirty="0">
+                <a:hlinkClick r:id="rId5"/>
+              </a:rPr>
+              <a:t>https://</a:t>
+            </a:r>
+            <a:r>
+              <a:rPr lang="en-US" u="sng" dirty="0" smtClean="0">
+                <a:hlinkClick r:id="rId5"/>
+              </a:rPr>
+              <a:t>help.github.com/articles/set-up-git</a:t>
+            </a:r>
+            <a:endParaRPr lang="en-US" u="sng" dirty="0" smtClean="0"/>
+          </a:p>
+          <a:p>
+            <a:endParaRPr lang="en-US" u="sng" dirty="0"/>
+          </a:p>
+          <a:p>
+            <a:r>
+              <a:rPr lang="en-US" dirty="0" smtClean="0"/>
+              <a:t>Setup a </a:t>
+            </a:r>
+            <a:r>
+              <a:rPr lang="en-US" dirty="0" err="1" smtClean="0"/>
+              <a:t>git</a:t>
+            </a:r>
+            <a:r>
+              <a:rPr lang="en-US" dirty="0" smtClean="0"/>
+              <a:t> repository for your web programming project</a:t>
+            </a:r>
+            <a:r>
+              <a:rPr lang="en-US" dirty="0"/>
+              <a:t/>
+            </a:r>
+            <a:br>
+              <a:rPr lang="en-US" dirty="0"/>
+            </a:br>
+            <a:endParaRPr lang="en-US" dirty="0"/>
+          </a:p>
+          <a:p>
+            <a:endParaRPr lang="en-US" dirty="0"/>
+          </a:p>
           <a:p>
             <a:endParaRPr lang="da-DK" dirty="0"/>
           </a:p>
@@ -7237,7 +7357,7 @@
     </p:spTree>
     <p:extLst>
       <p:ext uri="{BB962C8B-B14F-4D97-AF65-F5344CB8AC3E}">
-        <p14:creationId xmlns:p14="http://schemas.microsoft.com/office/powerpoint/2010/main" val="60709622"/>
+        <p14:creationId xmlns:p14="http://schemas.microsoft.com/office/powerpoint/2010/main" val="911850369"/>
       </p:ext>
     </p:extLst>
   </p:cSld>
@@ -7291,11 +7411,7 @@
           <a:bodyPr/>
           <a:lstStyle/>
           <a:p>
-            <a:r>
-              <a:rPr lang="da-DK" dirty="0" err="1" smtClean="0"/>
-              <a:t>Excercises</a:t>
-            </a:r>
-            <a:endParaRPr lang="da-DK" dirty="0"/>
+            <a:endParaRPr lang="da-DK"/>
           </a:p>
         </p:txBody>
       </p:sp>
@@ -7318,7 +7434,7 @@
           <a:p>
             <a:r>
               <a:rPr lang="en-US" dirty="0"/>
-              <a:t>Install </a:t>
+              <a:t>Use </a:t>
             </a:r>
             <a:r>
               <a:rPr lang="en-US" dirty="0" err="1"/>
@@ -7328,44 +7444,34 @@
           </a:p>
           <a:p>
             <a:r>
+              <a:rPr lang="en-US" dirty="0"/>
+              <a:t>The above exercise is just for copying my files to </a:t>
+            </a:r>
+            <a:r>
+              <a:rPr lang="en-US" dirty="0" smtClean="0"/>
+              <a:t>your </a:t>
+            </a:r>
+            <a:r>
+              <a:rPr lang="en-US" dirty="0"/>
+              <a:t>PC. You can also use </a:t>
+            </a:r>
+            <a:r>
               <a:rPr lang="en-US" dirty="0" err="1"/>
               <a:t>Git</a:t>
             </a:r>
             <a:r>
               <a:rPr lang="en-US" dirty="0"/>
-              <a:t> is a version control system that you can use for personal version control or for collaborating with others. I use </a:t>
-            </a:r>
-            <a:r>
-              <a:rPr lang="en-US" dirty="0" err="1"/>
-              <a:t>Git</a:t>
+              <a:t> on your local PC for enabling version control in your own projects. From </a:t>
+            </a:r>
+            <a:r>
+              <a:rPr lang="en-US" u="sng" dirty="0">
+                <a:hlinkClick r:id="rId2"/>
+              </a:rPr>
+              <a:t>https://www.atlassian.com/git/tutorial/</a:t>
             </a:r>
             <a:r>
               <a:rPr lang="en-US" dirty="0"/>
-              <a:t> for updating the files for this module in web development. To use </a:t>
-            </a:r>
-            <a:r>
-              <a:rPr lang="en-US" dirty="0" err="1"/>
-              <a:t>Git</a:t>
-            </a:r>
-            <a:r>
-              <a:rPr lang="en-US" dirty="0"/>
-              <a:t> you first have to install </a:t>
-            </a:r>
-            <a:r>
-              <a:rPr lang="en-US" dirty="0" err="1"/>
-              <a:t>Git</a:t>
-            </a:r>
-            <a:r>
-              <a:rPr lang="en-US" dirty="0"/>
-              <a:t> on your PC, after doing that you can use </a:t>
-            </a:r>
-            <a:r>
-              <a:rPr lang="en-US" dirty="0" err="1"/>
-              <a:t>Git</a:t>
-            </a:r>
-            <a:r>
-              <a:rPr lang="en-US" dirty="0"/>
-              <a:t> to download and update all the files.</a:t>
+              <a:t> (or some other tutorial) try to:</a:t>
             </a:r>
             <a:br>
               <a:rPr lang="en-US" dirty="0"/>
@@ -7375,147 +7481,93 @@
           <a:p>
             <a:r>
               <a:rPr lang="en-US" dirty="0"/>
-              <a:t>Install </a:t>
-            </a:r>
-            <a:r>
-              <a:rPr lang="en-US" dirty="0" err="1"/>
-              <a:t>Git</a:t>
-            </a:r>
+              <a:t>Create a repository</a:t>
+            </a:r>
+          </a:p>
+          <a:p>
             <a:r>
               <a:rPr lang="en-US" dirty="0"/>
-              <a:t> from </a:t>
-            </a:r>
-            <a:r>
-              <a:rPr lang="en-US" u="sng" dirty="0" err="1">
-                <a:hlinkClick r:id="rId2"/>
-              </a:rPr>
-              <a:t>git-scm</a:t>
+              <a:t>Add files</a:t>
+            </a:r>
+          </a:p>
+          <a:p>
+            <a:r>
+              <a:rPr lang="en-US" dirty="0"/>
+              <a:t>Commit files</a:t>
+            </a:r>
+          </a:p>
+          <a:p>
+            <a:pPr marL="0" indent="0">
+              <a:buNone/>
+            </a:pPr>
+            <a:endParaRPr lang="en-US" dirty="0" smtClean="0"/>
+          </a:p>
+          <a:p>
+            <a:r>
+              <a:rPr lang="en-US" dirty="0" smtClean="0"/>
+              <a:t>To push your files remotely</a:t>
             </a:r>
             <a:endParaRPr lang="en-US" dirty="0"/>
           </a:p>
           <a:p>
             <a:r>
-              <a:rPr lang="en-US" dirty="0"/>
-              <a:t>Sometimes you have to add </a:t>
-            </a:r>
-            <a:r>
-              <a:rPr lang="en-US" dirty="0" err="1"/>
-              <a:t>Git</a:t>
-            </a:r>
-            <a:r>
-              <a:rPr lang="en-US" dirty="0"/>
-              <a:t> to the environment variables in Windows - add "C:\Program Files (x86)\</a:t>
-            </a:r>
-            <a:r>
-              <a:rPr lang="en-US" dirty="0" err="1"/>
-              <a:t>Git</a:t>
-            </a:r>
-            <a:r>
-              <a:rPr lang="en-US" dirty="0"/>
-              <a:t>\</a:t>
-            </a:r>
-            <a:r>
-              <a:rPr lang="en-US" dirty="0" err="1"/>
-              <a:t>cmd</a:t>
-            </a:r>
-            <a:r>
-              <a:rPr lang="en-US" dirty="0"/>
-              <a:t>" to PATH</a:t>
-            </a:r>
-            <a:br>
-              <a:rPr lang="en-US" dirty="0"/>
-            </a:br>
+              <a:rPr lang="en-US" dirty="0" smtClean="0"/>
+              <a:t>Create a remote repo on either </a:t>
+            </a:r>
+            <a:r>
+              <a:rPr lang="en-US" dirty="0" err="1" smtClean="0"/>
+              <a:t>BitBucket</a:t>
+            </a:r>
+            <a:r>
+              <a:rPr lang="en-US" dirty="0" smtClean="0"/>
+              <a:t> or GitHub</a:t>
+            </a:r>
+          </a:p>
+          <a:p>
+            <a:r>
+              <a:rPr lang="en-US" dirty="0" smtClean="0"/>
+              <a:t>Configure your local repo with your new remote</a:t>
+            </a:r>
+          </a:p>
+          <a:p>
+            <a:r>
+              <a:rPr lang="en-US" dirty="0" smtClean="0"/>
+              <a:t>Push your </a:t>
+            </a:r>
+            <a:r>
+              <a:rPr lang="en-US" dirty="0" smtClean="0"/>
+              <a:t>repo</a:t>
+            </a:r>
+          </a:p>
+          <a:p>
             <a:endParaRPr lang="en-US" dirty="0"/>
           </a:p>
           <a:p>
             <a:r>
-              <a:rPr lang="en-US" dirty="0"/>
-              <a:t>Do a clone request</a:t>
-            </a:r>
-            <a:br>
-              <a:rPr lang="en-US" dirty="0"/>
-            </a:br>
-            <a:r>
-              <a:rPr lang="en-US" dirty="0"/>
-              <a:t>$ </a:t>
-            </a:r>
-            <a:r>
-              <a:rPr lang="en-US" dirty="0" err="1"/>
-              <a:t>git</a:t>
-            </a:r>
-            <a:r>
-              <a:rPr lang="en-US" dirty="0"/>
-              <a:t> clone https://github.com/ucnpbaweb/0914-Web-Programming.git</a:t>
-            </a:r>
-          </a:p>
-          <a:p>
-            <a:r>
-              <a:rPr lang="en-US" dirty="0"/>
-              <a:t>Each time I add something to the repository browse to the folder and do a pull request</a:t>
-            </a:r>
-            <a:br>
-              <a:rPr lang="en-US" dirty="0"/>
-            </a:br>
-            <a:endParaRPr lang="en-US" dirty="0"/>
-          </a:p>
-          <a:p>
-            <a:r>
-              <a:rPr lang="en-US" dirty="0"/>
-              <a:t>$ </a:t>
-            </a:r>
-            <a:r>
-              <a:rPr lang="en-US" dirty="0" err="1"/>
-              <a:t>git</a:t>
-            </a:r>
-            <a:r>
-              <a:rPr lang="en-US" dirty="0"/>
-              <a:t> pull </a:t>
-            </a:r>
-            <a:br>
-              <a:rPr lang="en-US" dirty="0"/>
-            </a:br>
-            <a:endParaRPr lang="en-US" dirty="0"/>
-          </a:p>
-          <a:p>
-            <a:r>
-              <a:rPr lang="en-US" dirty="0"/>
-              <a:t>For more help on using </a:t>
-            </a:r>
-            <a:r>
-              <a:rPr lang="en-US" dirty="0" err="1"/>
-              <a:t>Git</a:t>
-            </a:r>
-            <a:r>
-              <a:rPr lang="en-US" dirty="0"/>
-              <a:t>:</a:t>
-            </a:r>
-          </a:p>
-          <a:p>
-            <a:r>
-              <a:rPr lang="en-US" u="sng" dirty="0">
-                <a:hlinkClick r:id="rId3"/>
-              </a:rPr>
-              <a:t>https://www.atlassian.com/git/tutorial/</a:t>
-            </a:r>
-            <a:endParaRPr lang="en-US" dirty="0"/>
-          </a:p>
-          <a:p>
-            <a:r>
-              <a:rPr lang="en-US" u="sng" dirty="0">
-                <a:hlinkClick r:id="rId4"/>
-              </a:rPr>
-              <a:t>https://help.github.com/articles/set-up-git</a:t>
-            </a:r>
-            <a:r>
-              <a:rPr lang="en-US" dirty="0"/>
-              <a:t/>
-            </a:r>
-            <a:br>
-              <a:rPr lang="en-US" dirty="0"/>
-            </a:br>
-            <a:endParaRPr lang="en-US" dirty="0"/>
-          </a:p>
-          <a:p>
+              <a:rPr lang="en-US" dirty="0" smtClean="0"/>
+              <a:t>Or the easy way.</a:t>
+            </a:r>
+          </a:p>
+          <a:p>
+            <a:pPr lvl="1"/>
+            <a:r>
+              <a:rPr lang="en-US" dirty="0" smtClean="0"/>
+              <a:t>Create a remote repository</a:t>
+            </a:r>
+          </a:p>
+          <a:p>
+            <a:pPr lvl="1"/>
+            <a:r>
+              <a:rPr lang="en-US" dirty="0" smtClean="0"/>
+              <a:t>Clone it</a:t>
+            </a:r>
+          </a:p>
+          <a:p>
+            <a:pPr lvl="1"/>
+            <a:r>
+              <a:rPr lang="en-US" dirty="0" smtClean="0"/>
+              <a:t>Start working</a:t>
+            </a:r>
             <a:endParaRPr lang="en-US" dirty="0"/>
           </a:p>
           <a:p>
@@ -7560,242 +7612,6 @@
             <a:fld id="{F7AB382F-E9E6-CE49-B414-1E064FB7F064}" type="slidenum">
               <a:rPr lang="da-DK" smtClean="0"/>
               <a:t>16</a:t>
-            </a:fld>
-            <a:endParaRPr lang="da-DK"/>
-          </a:p>
-        </p:txBody>
-      </p:sp>
-    </p:spTree>
-    <p:extLst>
-      <p:ext uri="{BB962C8B-B14F-4D97-AF65-F5344CB8AC3E}">
-        <p14:creationId xmlns:p14="http://schemas.microsoft.com/office/powerpoint/2010/main" val="911850369"/>
-      </p:ext>
-    </p:extLst>
-  </p:cSld>
-  <p:clrMapOvr>
-    <a:masterClrMapping/>
-  </p:clrMapOvr>
-  <mc:AlternateContent xmlns:mc="http://schemas.openxmlformats.org/markup-compatibility/2006" xmlns:p14="http://schemas.microsoft.com/office/powerpoint/2010/main">
-    <mc:Choice Requires="p14">
-      <p:transition p14:dur="250">
-        <p:fade/>
-      </p:transition>
-    </mc:Choice>
-    <mc:Fallback xmlns="">
-      <p:transition>
-        <p:fade/>
-      </p:transition>
-    </mc:Fallback>
-  </mc:AlternateContent>
-</p:sld>
-</file>
-
-<file path=ppt/slides/slide17.xml><?xml version="1.0" encoding="utf-8"?>
-<p:sld xmlns:a="http://schemas.openxmlformats.org/drawingml/2006/main" xmlns:r="http://schemas.openxmlformats.org/officeDocument/2006/relationships" xmlns:p="http://schemas.openxmlformats.org/presentationml/2006/main">
-  <p:cSld>
-    <p:spTree>
-      <p:nvGrpSpPr>
-        <p:cNvPr id="1" name=""/>
-        <p:cNvGrpSpPr/>
-        <p:nvPr/>
-      </p:nvGrpSpPr>
-      <p:grpSpPr>
-        <a:xfrm>
-          <a:off x="0" y="0"/>
-          <a:ext cx="0" cy="0"/>
-          <a:chOff x="0" y="0"/>
-          <a:chExt cx="0" cy="0"/>
-        </a:xfrm>
-      </p:grpSpPr>
-      <p:sp>
-        <p:nvSpPr>
-          <p:cNvPr id="2" name="Titel 1"/>
-          <p:cNvSpPr>
-            <a:spLocks noGrp="1"/>
-          </p:cNvSpPr>
-          <p:nvPr>
-            <p:ph type="title"/>
-          </p:nvPr>
-        </p:nvSpPr>
-        <p:spPr/>
-        <p:txBody>
-          <a:bodyPr/>
-          <a:lstStyle/>
-          <a:p>
-            <a:endParaRPr lang="da-DK"/>
-          </a:p>
-        </p:txBody>
-      </p:sp>
-      <p:sp>
-        <p:nvSpPr>
-          <p:cNvPr id="3" name="Pladsholder til indhold 2"/>
-          <p:cNvSpPr>
-            <a:spLocks noGrp="1"/>
-          </p:cNvSpPr>
-          <p:nvPr>
-            <p:ph idx="1"/>
-          </p:nvPr>
-        </p:nvSpPr>
-        <p:spPr/>
-        <p:txBody>
-          <a:bodyPr>
-            <a:normAutofit fontScale="70000" lnSpcReduction="20000"/>
-          </a:bodyPr>
-          <a:lstStyle/>
-          <a:p>
-            <a:r>
-              <a:rPr lang="en-US" dirty="0"/>
-              <a:t>Use </a:t>
-            </a:r>
-            <a:r>
-              <a:rPr lang="en-US" dirty="0" err="1"/>
-              <a:t>Git</a:t>
-            </a:r>
-            <a:endParaRPr lang="en-US" dirty="0"/>
-          </a:p>
-          <a:p>
-            <a:r>
-              <a:rPr lang="en-US" dirty="0"/>
-              <a:t>The above exercise is just for copying my files to </a:t>
-            </a:r>
-            <a:r>
-              <a:rPr lang="en-US" dirty="0" smtClean="0"/>
-              <a:t>your </a:t>
-            </a:r>
-            <a:r>
-              <a:rPr lang="en-US" dirty="0"/>
-              <a:t>PC. You can also use </a:t>
-            </a:r>
-            <a:r>
-              <a:rPr lang="en-US" dirty="0" err="1"/>
-              <a:t>Git</a:t>
-            </a:r>
-            <a:r>
-              <a:rPr lang="en-US" dirty="0"/>
-              <a:t> on your local PC for enabling version control in your own projects. From </a:t>
-            </a:r>
-            <a:r>
-              <a:rPr lang="en-US" u="sng" dirty="0">
-                <a:hlinkClick r:id="rId2"/>
-              </a:rPr>
-              <a:t>https://www.atlassian.com/git/tutorial/</a:t>
-            </a:r>
-            <a:r>
-              <a:rPr lang="en-US" dirty="0"/>
-              <a:t> (or some other tutorial) try to:</a:t>
-            </a:r>
-            <a:br>
-              <a:rPr lang="en-US" dirty="0"/>
-            </a:br>
-            <a:endParaRPr lang="en-US" dirty="0"/>
-          </a:p>
-          <a:p>
-            <a:r>
-              <a:rPr lang="en-US" dirty="0"/>
-              <a:t>Create a repository</a:t>
-            </a:r>
-          </a:p>
-          <a:p>
-            <a:r>
-              <a:rPr lang="en-US" dirty="0"/>
-              <a:t>Add files</a:t>
-            </a:r>
-          </a:p>
-          <a:p>
-            <a:r>
-              <a:rPr lang="en-US" dirty="0"/>
-              <a:t>Commit files</a:t>
-            </a:r>
-          </a:p>
-          <a:p>
-            <a:r>
-              <a:rPr lang="en-US" dirty="0"/>
-              <a:t>Add a </a:t>
-            </a:r>
-            <a:r>
-              <a:rPr lang="en-US" dirty="0" smtClean="0"/>
-              <a:t>branch</a:t>
-            </a:r>
-          </a:p>
-          <a:p>
-            <a:endParaRPr lang="en-US" dirty="0" smtClean="0"/>
-          </a:p>
-          <a:p>
-            <a:r>
-              <a:rPr lang="en-US" dirty="0" smtClean="0"/>
-              <a:t>To push your files remotely</a:t>
-            </a:r>
-            <a:endParaRPr lang="en-US" dirty="0"/>
-          </a:p>
-          <a:p>
-            <a:r>
-              <a:rPr lang="en-US" dirty="0" smtClean="0"/>
-              <a:t>Create a remote repo on either </a:t>
-            </a:r>
-            <a:r>
-              <a:rPr lang="en-US" dirty="0" err="1" smtClean="0"/>
-              <a:t>BitBucket</a:t>
-            </a:r>
-            <a:r>
-              <a:rPr lang="en-US" dirty="0" smtClean="0"/>
-              <a:t> or GitHub</a:t>
-            </a:r>
-          </a:p>
-          <a:p>
-            <a:r>
-              <a:rPr lang="en-US" dirty="0" smtClean="0"/>
-              <a:t>Configure your local repo with your new remote</a:t>
-            </a:r>
-          </a:p>
-          <a:p>
-            <a:r>
-              <a:rPr lang="en-US" dirty="0" smtClean="0"/>
-              <a:t>Push your repo</a:t>
-            </a:r>
-            <a:endParaRPr lang="en-US" dirty="0"/>
-          </a:p>
-          <a:p>
-            <a:endParaRPr lang="da-DK" dirty="0"/>
-          </a:p>
-        </p:txBody>
-      </p:sp>
-      <p:sp>
-        <p:nvSpPr>
-          <p:cNvPr id="4" name="Pladsholder til sidefod 3"/>
-          <p:cNvSpPr>
-            <a:spLocks noGrp="1"/>
-          </p:cNvSpPr>
-          <p:nvPr>
-            <p:ph type="ftr" sz="quarter" idx="11"/>
-          </p:nvPr>
-        </p:nvSpPr>
-        <p:spPr/>
-        <p:txBody>
-          <a:bodyPr/>
-          <a:lstStyle/>
-          <a:p>
-            <a:endParaRPr lang="da-DK"/>
-          </a:p>
-        </p:txBody>
-      </p:sp>
-      <p:sp>
-        <p:nvSpPr>
-          <p:cNvPr id="5" name="Pladsholder til diasnummer 4"/>
-          <p:cNvSpPr>
-            <a:spLocks noGrp="1"/>
-          </p:cNvSpPr>
-          <p:nvPr>
-            <p:ph type="sldNum" sz="quarter" idx="12"/>
-          </p:nvPr>
-        </p:nvSpPr>
-        <p:spPr/>
-        <p:txBody>
-          <a:bodyPr/>
-          <a:lstStyle/>
-          <a:p>
-            <a:fld id="{F7AB382F-E9E6-CE49-B414-1E064FB7F064}" type="slidenum">
-              <a:rPr lang="da-DK" smtClean="0"/>
-              <a:t>17</a:t>
             </a:fld>
             <a:endParaRPr lang="da-DK"/>
           </a:p>
@@ -8842,7 +8658,149 @@
           <a:bodyPr/>
           <a:lstStyle/>
           <a:p>
-            <a:endParaRPr lang="da-DK"/>
+            <a:r>
+              <a:rPr lang="da-DK" dirty="0" err="1" smtClean="0"/>
+              <a:t>What</a:t>
+            </a:r>
+            <a:r>
+              <a:rPr lang="da-DK" dirty="0" smtClean="0"/>
+              <a:t> do </a:t>
+            </a:r>
+            <a:r>
+              <a:rPr lang="da-DK" dirty="0" err="1" smtClean="0"/>
+              <a:t>we</a:t>
+            </a:r>
+            <a:r>
+              <a:rPr lang="da-DK" dirty="0" smtClean="0"/>
+              <a:t> </a:t>
+            </a:r>
+            <a:r>
+              <a:rPr lang="da-DK" dirty="0" err="1" smtClean="0"/>
+              <a:t>need</a:t>
+            </a:r>
+            <a:r>
+              <a:rPr lang="da-DK" dirty="0" smtClean="0"/>
+              <a:t>?</a:t>
+            </a:r>
+            <a:endParaRPr lang="da-DK" dirty="0"/>
+          </a:p>
+        </p:txBody>
+      </p:sp>
+      <p:sp>
+        <p:nvSpPr>
+          <p:cNvPr id="3" name="Pladsholder til indhold 2"/>
+          <p:cNvSpPr>
+            <a:spLocks noGrp="1"/>
+          </p:cNvSpPr>
+          <p:nvPr>
+            <p:ph idx="1"/>
+          </p:nvPr>
+        </p:nvSpPr>
+        <p:spPr/>
+        <p:txBody>
+          <a:bodyPr/>
+          <a:lstStyle/>
+          <a:p>
+            <a:r>
+              <a:rPr lang="da-DK" dirty="0" smtClean="0"/>
+              <a:t>GIT SCM</a:t>
+            </a:r>
+          </a:p>
+          <a:p>
+            <a:pPr lvl="1"/>
+            <a:r>
+              <a:rPr lang="da-DK" dirty="0" err="1" smtClean="0"/>
+              <a:t>Thats</a:t>
+            </a:r>
+            <a:r>
+              <a:rPr lang="da-DK" dirty="0" smtClean="0"/>
+              <a:t> </a:t>
+            </a:r>
+            <a:r>
+              <a:rPr lang="da-DK" dirty="0" err="1" smtClean="0"/>
+              <a:t>basically</a:t>
+            </a:r>
+            <a:r>
+              <a:rPr lang="da-DK" dirty="0" smtClean="0"/>
+              <a:t> it.</a:t>
+            </a:r>
+          </a:p>
+          <a:p>
+            <a:pPr lvl="1"/>
+            <a:endParaRPr lang="da-DK" dirty="0"/>
+          </a:p>
+          <a:p>
+            <a:r>
+              <a:rPr lang="da-DK" dirty="0" err="1" smtClean="0"/>
+              <a:t>However</a:t>
+            </a:r>
+            <a:r>
+              <a:rPr lang="da-DK" dirty="0" smtClean="0"/>
+              <a:t>, a </a:t>
+            </a:r>
+            <a:r>
+              <a:rPr lang="da-DK" dirty="0" err="1" smtClean="0"/>
+              <a:t>remote</a:t>
+            </a:r>
+            <a:r>
+              <a:rPr lang="da-DK" dirty="0" smtClean="0"/>
+              <a:t> </a:t>
+            </a:r>
+            <a:r>
+              <a:rPr lang="da-DK" dirty="0" err="1" smtClean="0"/>
+              <a:t>repository</a:t>
+            </a:r>
+            <a:r>
+              <a:rPr lang="da-DK" dirty="0" smtClean="0"/>
+              <a:t> is </a:t>
+            </a:r>
+            <a:r>
+              <a:rPr lang="da-DK" dirty="0" err="1" smtClean="0"/>
+              <a:t>nice</a:t>
+            </a:r>
+            <a:endParaRPr lang="da-DK" dirty="0" smtClean="0"/>
+          </a:p>
+          <a:p>
+            <a:pPr lvl="1"/>
+            <a:r>
+              <a:rPr lang="da-DK" dirty="0" err="1" smtClean="0"/>
+              <a:t>BitBucket</a:t>
+            </a:r>
+            <a:endParaRPr lang="da-DK" dirty="0" smtClean="0"/>
+          </a:p>
+          <a:p>
+            <a:pPr lvl="1"/>
+            <a:r>
+              <a:rPr lang="da-DK" dirty="0" err="1" smtClean="0"/>
+              <a:t>GitHub</a:t>
+            </a:r>
+            <a:endParaRPr lang="da-DK" dirty="0" smtClean="0"/>
+          </a:p>
+          <a:p>
+            <a:pPr lvl="1"/>
+            <a:r>
+              <a:rPr lang="da-DK" dirty="0" err="1" smtClean="0"/>
+              <a:t>Unfuddle</a:t>
+            </a:r>
+            <a:endParaRPr lang="da-DK" dirty="0" smtClean="0"/>
+          </a:p>
+          <a:p>
+            <a:pPr lvl="1"/>
+            <a:r>
+              <a:rPr lang="da-DK" dirty="0" err="1" smtClean="0"/>
+              <a:t>Beanstalk</a:t>
+            </a:r>
+            <a:r>
+              <a:rPr lang="da-DK" dirty="0" smtClean="0"/>
+              <a:t>	</a:t>
+            </a:r>
+          </a:p>
+          <a:p>
+            <a:pPr lvl="1"/>
+            <a:r>
+              <a:rPr lang="da-DK" dirty="0" smtClean="0"/>
+              <a:t>…..</a:t>
+            </a:r>
           </a:p>
         </p:txBody>
       </p:sp>
@@ -8888,135 +8846,10 @@
           </a:p>
         </p:txBody>
       </p:sp>
-      <p:pic>
-        <p:nvPicPr>
-          <p:cNvPr id="2050" name="Picture 2" descr="A simple commit history."/>
-          <p:cNvPicPr>
-            <a:picLocks noChangeAspect="1" noChangeArrowheads="1"/>
-          </p:cNvPicPr>
-          <p:nvPr/>
-        </p:nvPicPr>
-        <p:blipFill>
-          <a:blip r:embed="rId2">
-            <a:extLst>
-              <a:ext uri="{28A0092B-C50C-407E-A947-70E740481C1C}">
-                <a14:useLocalDpi xmlns:a14="http://schemas.microsoft.com/office/drawing/2010/main" val="0"/>
-              </a:ext>
-            </a:extLst>
-          </a:blip>
-          <a:srcRect/>
-          <a:stretch>
-            <a:fillRect/>
-          </a:stretch>
-        </p:blipFill>
-        <p:spPr bwMode="auto">
-          <a:xfrm>
-            <a:off x="1668026" y="1011213"/>
-            <a:ext cx="4813161" cy="1398696"/>
-          </a:xfrm>
-          <a:prstGeom prst="rect">
-            <a:avLst/>
-          </a:prstGeom>
-          <a:noFill/>
-          <a:extLst>
-            <a:ext uri="{909E8E84-426E-40DD-AFC4-6F175D3DCCD1}">
-              <a14:hiddenFill xmlns:a14="http://schemas.microsoft.com/office/drawing/2010/main">
-                <a:solidFill>
-                  <a:srgbClr val="FFFFFF"/>
-                </a:solidFill>
-              </a14:hiddenFill>
-            </a:ext>
-          </a:extLst>
-        </p:spPr>
-      </p:pic>
-      <p:pic>
-        <p:nvPicPr>
-          <p:cNvPr id="2052" name="Picture 4" descr="Creating a new branch pointer."/>
-          <p:cNvPicPr>
-            <a:picLocks noChangeAspect="1" noChangeArrowheads="1"/>
-          </p:cNvPicPr>
-          <p:nvPr/>
-        </p:nvPicPr>
-        <p:blipFill>
-          <a:blip r:embed="rId3">
-            <a:extLst>
-              <a:ext uri="{28A0092B-C50C-407E-A947-70E740481C1C}">
-                <a14:useLocalDpi xmlns:a14="http://schemas.microsoft.com/office/drawing/2010/main" val="0"/>
-              </a:ext>
-            </a:extLst>
-          </a:blip>
-          <a:srcRect/>
-          <a:stretch>
-            <a:fillRect/>
-          </a:stretch>
-        </p:blipFill>
-        <p:spPr bwMode="auto">
-          <a:xfrm>
-            <a:off x="1695964" y="2425271"/>
-            <a:ext cx="4757284" cy="2317651"/>
-          </a:xfrm>
-          <a:prstGeom prst="rect">
-            <a:avLst/>
-          </a:prstGeom>
-          <a:noFill/>
-          <a:extLst>
-            <a:ext uri="{909E8E84-426E-40DD-AFC4-6F175D3DCCD1}">
-              <a14:hiddenFill xmlns:a14="http://schemas.microsoft.com/office/drawing/2010/main">
-                <a:solidFill>
-                  <a:srgbClr val="FFFFFF"/>
-                </a:solidFill>
-              </a14:hiddenFill>
-            </a:ext>
-          </a:extLst>
-        </p:spPr>
-      </p:pic>
-      <p:pic>
-        <p:nvPicPr>
-          <p:cNvPr id="2054" name="Picture 6" descr="The iss53 branch has moved forward with your work."/>
-          <p:cNvPicPr>
-            <a:picLocks noGrp="1" noChangeAspect="1" noChangeArrowheads="1"/>
-          </p:cNvPicPr>
-          <p:nvPr>
-            <p:ph idx="1"/>
-          </p:nvPr>
-        </p:nvPicPr>
-        <p:blipFill>
-          <a:blip r:embed="rId4">
-            <a:extLst>
-              <a:ext uri="{28A0092B-C50C-407E-A947-70E740481C1C}">
-                <a14:useLocalDpi xmlns:a14="http://schemas.microsoft.com/office/drawing/2010/main" val="0"/>
-              </a:ext>
-            </a:extLst>
-          </a:blip>
-          <a:srcRect/>
-          <a:stretch>
-            <a:fillRect/>
-          </a:stretch>
-        </p:blipFill>
-        <p:spPr bwMode="auto">
-          <a:xfrm>
-            <a:off x="1661151" y="4742922"/>
-            <a:ext cx="5879200" cy="2115078"/>
-          </a:xfrm>
-          <a:prstGeom prst="rect">
-            <a:avLst/>
-          </a:prstGeom>
-          <a:noFill/>
-          <a:extLst>
-            <a:ext uri="{909E8E84-426E-40DD-AFC4-6F175D3DCCD1}">
-              <a14:hiddenFill xmlns:a14="http://schemas.microsoft.com/office/drawing/2010/main">
-                <a:solidFill>
-                  <a:srgbClr val="FFFFFF"/>
-                </a:solidFill>
-              </a14:hiddenFill>
-            </a:ext>
-          </a:extLst>
-        </p:spPr>
-      </p:pic>
     </p:spTree>
     <p:extLst>
       <p:ext uri="{BB962C8B-B14F-4D97-AF65-F5344CB8AC3E}">
-        <p14:creationId xmlns:p14="http://schemas.microsoft.com/office/powerpoint/2010/main" val="17891965"/>
+        <p14:creationId xmlns:p14="http://schemas.microsoft.com/office/powerpoint/2010/main" val="3044043378"/>
       </p:ext>
     </p:extLst>
   </p:cSld>
@@ -9071,16 +8904,39 @@
           <a:lstStyle/>
           <a:p>
             <a:r>
-              <a:rPr lang="da-DK" dirty="0" err="1" smtClean="0"/>
-              <a:t>What</a:t>
-            </a:r>
-            <a:r>
-              <a:rPr lang="da-DK" dirty="0" smtClean="0"/>
-              <a:t> do </a:t>
-            </a:r>
-            <a:r>
-              <a:rPr lang="da-DK" dirty="0" err="1" smtClean="0"/>
-              <a:t>we</a:t>
+              <a:rPr lang="da-DK" dirty="0" smtClean="0"/>
+              <a:t>Setup </a:t>
+            </a:r>
+            <a:r>
+              <a:rPr lang="da-DK" dirty="0" err="1" smtClean="0"/>
+              <a:t>git</a:t>
+            </a:r>
+            <a:endParaRPr lang="da-DK" dirty="0"/>
+          </a:p>
+        </p:txBody>
+      </p:sp>
+      <p:sp>
+        <p:nvSpPr>
+          <p:cNvPr id="3" name="Pladsholder til indhold 2"/>
+          <p:cNvSpPr>
+            <a:spLocks noGrp="1"/>
+          </p:cNvSpPr>
+          <p:nvPr>
+            <p:ph idx="1"/>
+          </p:nvPr>
+        </p:nvSpPr>
+        <p:spPr/>
+        <p:txBody>
+          <a:bodyPr/>
+          <a:lstStyle/>
+          <a:p>
+            <a:r>
+              <a:rPr lang="da-DK" dirty="0" smtClean="0"/>
+              <a:t>$</a:t>
+            </a:r>
+            <a:r>
+              <a:rPr lang="da-DK" dirty="0" err="1" smtClean="0"/>
+              <a:t>git</a:t>
             </a:r>
             <a:r>
               <a:rPr lang="da-DK" dirty="0" smtClean="0"/>
@@ -9088,131 +8944,48 @@
             </a:r>
             <a:r>
               <a:rPr lang="da-DK" dirty="0" err="1" smtClean="0"/>
-              <a:t>need</a:t>
-            </a:r>
-            <a:r>
-              <a:rPr lang="da-DK" dirty="0" smtClean="0"/>
-              <a:t>?</a:t>
-            </a:r>
+              <a:t>config</a:t>
+            </a:r>
+            <a:r>
+              <a:rPr lang="da-DK" dirty="0" smtClean="0"/>
+              <a:t> –global user.name ”Jens Jensen”</a:t>
+            </a:r>
+          </a:p>
+          <a:p>
+            <a:r>
+              <a:rPr lang="da-DK" dirty="0" smtClean="0"/>
+              <a:t>$</a:t>
+            </a:r>
+            <a:r>
+              <a:rPr lang="da-DK" dirty="0" err="1" smtClean="0"/>
+              <a:t>git</a:t>
+            </a:r>
+            <a:r>
+              <a:rPr lang="da-DK" dirty="0" smtClean="0"/>
+              <a:t> </a:t>
+            </a:r>
+            <a:r>
+              <a:rPr lang="da-DK" dirty="0" err="1" smtClean="0"/>
+              <a:t>config</a:t>
+            </a:r>
+            <a:r>
+              <a:rPr lang="da-DK" dirty="0" smtClean="0"/>
+              <a:t> –global </a:t>
+            </a:r>
+            <a:r>
+              <a:rPr lang="da-DK" dirty="0" err="1" smtClean="0"/>
+              <a:t>user.email</a:t>
+            </a:r>
+            <a:r>
+              <a:rPr lang="da-DK" dirty="0" smtClean="0"/>
+              <a:t> ”jens@vcs.dk" </a:t>
+            </a:r>
+          </a:p>
+          <a:p>
             <a:endParaRPr lang="da-DK" dirty="0"/>
           </a:p>
-        </p:txBody>
-      </p:sp>
-      <p:sp>
-        <p:nvSpPr>
-          <p:cNvPr id="3" name="Pladsholder til indhold 2"/>
-          <p:cNvSpPr>
-            <a:spLocks noGrp="1"/>
-          </p:cNvSpPr>
-          <p:nvPr>
-            <p:ph idx="1"/>
-          </p:nvPr>
-        </p:nvSpPr>
-        <p:spPr/>
-        <p:txBody>
-          <a:bodyPr/>
-          <a:lstStyle/>
-          <a:p>
-            <a:r>
-              <a:rPr lang="da-DK" dirty="0" smtClean="0"/>
-              <a:t>GIT SCM</a:t>
-            </a:r>
-          </a:p>
-          <a:p>
-            <a:pPr lvl="1"/>
-            <a:r>
-              <a:rPr lang="da-DK" dirty="0" err="1" smtClean="0"/>
-              <a:t>Thats</a:t>
-            </a:r>
-            <a:r>
-              <a:rPr lang="da-DK" dirty="0" smtClean="0"/>
-              <a:t> </a:t>
-            </a:r>
-            <a:r>
-              <a:rPr lang="da-DK" dirty="0" err="1" smtClean="0"/>
-              <a:t>basically</a:t>
-            </a:r>
-            <a:r>
-              <a:rPr lang="da-DK" dirty="0" smtClean="0"/>
-              <a:t> it.</a:t>
-            </a:r>
-          </a:p>
-          <a:p>
-            <a:pPr lvl="1"/>
-            <a:endParaRPr lang="da-DK" dirty="0"/>
-          </a:p>
-          <a:p>
-            <a:r>
-              <a:rPr lang="da-DK" dirty="0" err="1" smtClean="0"/>
-              <a:t>However</a:t>
-            </a:r>
-            <a:r>
-              <a:rPr lang="da-DK" dirty="0" smtClean="0"/>
-              <a:t>, a </a:t>
-            </a:r>
-            <a:r>
-              <a:rPr lang="da-DK" dirty="0" err="1" smtClean="0"/>
-              <a:t>remote</a:t>
-            </a:r>
-            <a:r>
-              <a:rPr lang="da-DK" dirty="0" smtClean="0"/>
-              <a:t> </a:t>
-            </a:r>
-            <a:r>
-              <a:rPr lang="da-DK" dirty="0" err="1" smtClean="0"/>
-              <a:t>repository</a:t>
-            </a:r>
-            <a:r>
-              <a:rPr lang="da-DK" dirty="0" smtClean="0"/>
-              <a:t> is </a:t>
-            </a:r>
-            <a:r>
-              <a:rPr lang="da-DK" dirty="0" err="1" smtClean="0"/>
-              <a:t>nice</a:t>
-            </a:r>
+          <a:p>
             <a:endParaRPr lang="da-DK" dirty="0" smtClean="0"/>
-          </a:p>
-          <a:p>
-            <a:pPr lvl="1"/>
-            <a:r>
-              <a:rPr lang="da-DK" dirty="0" err="1" smtClean="0"/>
-              <a:t>BitBucket</a:t>
-            </a:r>
-            <a:endParaRPr lang="da-DK" dirty="0" smtClean="0"/>
-          </a:p>
-          <a:p>
-            <a:pPr lvl="1"/>
-            <a:r>
-              <a:rPr lang="da-DK" dirty="0" err="1" smtClean="0"/>
-              <a:t>GitHub</a:t>
-            </a:r>
-            <a:endParaRPr lang="da-DK" dirty="0" smtClean="0"/>
-          </a:p>
-          <a:p>
-            <a:pPr lvl="1"/>
-            <a:r>
-              <a:rPr lang="da-DK" dirty="0" err="1" smtClean="0"/>
-              <a:t>Unfuddle</a:t>
-            </a:r>
-            <a:endParaRPr lang="da-DK" dirty="0" smtClean="0"/>
-          </a:p>
-          <a:p>
-            <a:pPr lvl="1"/>
-            <a:r>
-              <a:rPr lang="da-DK" dirty="0" err="1" smtClean="0"/>
-              <a:t>Beanstalk</a:t>
-            </a:r>
-            <a:r>
-              <a:rPr lang="da-DK" dirty="0" smtClean="0"/>
-              <a:t>	</a:t>
-            </a:r>
-          </a:p>
-          <a:p>
-            <a:pPr lvl="1"/>
-            <a:r>
-              <a:rPr lang="da-DK" dirty="0" smtClean="0"/>
-              <a:t>…..</a:t>
-            </a:r>
           </a:p>
         </p:txBody>
       </p:sp>
@@ -9261,7 +9034,7 @@
     </p:spTree>
     <p:extLst>
       <p:ext uri="{BB962C8B-B14F-4D97-AF65-F5344CB8AC3E}">
-        <p14:creationId xmlns:p14="http://schemas.microsoft.com/office/powerpoint/2010/main" val="3044043378"/>
+        <p14:creationId xmlns:p14="http://schemas.microsoft.com/office/powerpoint/2010/main" val="4118768008"/>
       </p:ext>
     </p:extLst>
   </p:cSld>
@@ -9316,88 +9089,363 @@
           <a:lstStyle/>
           <a:p>
             <a:r>
-              <a:rPr lang="da-DK" dirty="0" smtClean="0"/>
-              <a:t>Setup </a:t>
+              <a:rPr lang="da-DK" dirty="0" err="1" smtClean="0"/>
+              <a:t>Adding</a:t>
+            </a:r>
+            <a:r>
+              <a:rPr lang="da-DK" dirty="0" smtClean="0"/>
+              <a:t> a folder to version </a:t>
+            </a:r>
+            <a:r>
+              <a:rPr lang="da-DK" dirty="0" err="1" smtClean="0"/>
+              <a:t>control</a:t>
+            </a:r>
+            <a:endParaRPr lang="da-DK" dirty="0"/>
+          </a:p>
+        </p:txBody>
+      </p:sp>
+      <p:sp>
+        <p:nvSpPr>
+          <p:cNvPr id="3" name="Pladsholder til indhold 2"/>
+          <p:cNvSpPr>
+            <a:spLocks noGrp="1"/>
+          </p:cNvSpPr>
+          <p:nvPr>
+            <p:ph idx="1"/>
+          </p:nvPr>
+        </p:nvSpPr>
+        <p:spPr/>
+        <p:txBody>
+          <a:bodyPr>
+            <a:normAutofit fontScale="92500" lnSpcReduction="20000"/>
+          </a:bodyPr>
+          <a:lstStyle/>
+          <a:p>
+            <a:r>
+              <a:rPr lang="da-DK" dirty="0" smtClean="0"/>
+              <a:t>Basic Commands</a:t>
+            </a:r>
+          </a:p>
+          <a:p>
+            <a:r>
+              <a:rPr lang="da-DK" dirty="0" err="1" smtClean="0"/>
+              <a:t>Navigate</a:t>
+            </a:r>
+            <a:r>
+              <a:rPr lang="da-DK" dirty="0" smtClean="0"/>
+              <a:t> to Git\bin folder. </a:t>
+            </a:r>
+          </a:p>
+          <a:p>
+            <a:pPr lvl="1"/>
+            <a:r>
+              <a:rPr lang="da-DK" dirty="0" err="1" smtClean="0"/>
+              <a:t>sh</a:t>
+            </a:r>
+            <a:r>
+              <a:rPr lang="da-DK" dirty="0" smtClean="0"/>
+              <a:t> –login || ”Git </a:t>
+            </a:r>
+            <a:r>
+              <a:rPr lang="da-DK" dirty="0" err="1" smtClean="0"/>
+              <a:t>bash</a:t>
+            </a:r>
+            <a:r>
+              <a:rPr lang="da-DK" dirty="0" smtClean="0"/>
+              <a:t> </a:t>
+            </a:r>
+            <a:r>
+              <a:rPr lang="da-DK" dirty="0" err="1" smtClean="0"/>
+              <a:t>here</a:t>
+            </a:r>
+            <a:r>
+              <a:rPr lang="da-DK" dirty="0" smtClean="0"/>
+              <a:t>.”</a:t>
+            </a:r>
+          </a:p>
+          <a:p>
+            <a:r>
+              <a:rPr lang="da-DK" dirty="0" smtClean="0"/>
+              <a:t>$</a:t>
             </a:r>
             <a:r>
               <a:rPr lang="da-DK" dirty="0" err="1" smtClean="0"/>
               <a:t>git</a:t>
             </a:r>
+            <a:r>
+              <a:rPr lang="da-DK" dirty="0" smtClean="0"/>
+              <a:t> </a:t>
+            </a:r>
+            <a:r>
+              <a:rPr lang="da-DK" dirty="0" err="1" smtClean="0"/>
+              <a:t>init</a:t>
+            </a:r>
+            <a:r>
+              <a:rPr lang="da-DK" dirty="0" smtClean="0"/>
+              <a:t> – </a:t>
+            </a:r>
+            <a:r>
+              <a:rPr lang="da-DK" dirty="0" err="1" smtClean="0"/>
+              <a:t>inside</a:t>
+            </a:r>
+            <a:r>
+              <a:rPr lang="da-DK" dirty="0" smtClean="0"/>
+              <a:t> a folder, </a:t>
+            </a:r>
+            <a:r>
+              <a:rPr lang="da-DK" dirty="0" err="1" smtClean="0"/>
+              <a:t>will</a:t>
+            </a:r>
+            <a:r>
+              <a:rPr lang="da-DK" dirty="0" smtClean="0"/>
+              <a:t> </a:t>
+            </a:r>
+            <a:r>
+              <a:rPr lang="da-DK" dirty="0" err="1" smtClean="0"/>
+              <a:t>add</a:t>
+            </a:r>
+            <a:r>
+              <a:rPr lang="da-DK" dirty="0" smtClean="0"/>
+              <a:t> version </a:t>
+            </a:r>
+            <a:r>
+              <a:rPr lang="da-DK" dirty="0" err="1" smtClean="0"/>
+              <a:t>control</a:t>
+            </a:r>
+            <a:r>
+              <a:rPr lang="da-DK" dirty="0" smtClean="0"/>
+              <a:t> to </a:t>
+            </a:r>
+            <a:r>
+              <a:rPr lang="da-DK" dirty="0" err="1" smtClean="0"/>
+              <a:t>this</a:t>
+            </a:r>
+            <a:r>
+              <a:rPr lang="da-DK" dirty="0" smtClean="0"/>
+              <a:t> folder.</a:t>
+            </a:r>
+          </a:p>
+          <a:p>
+            <a:r>
+              <a:rPr lang="da-DK" dirty="0" smtClean="0"/>
+              <a:t>$</a:t>
+            </a:r>
+            <a:r>
+              <a:rPr lang="da-DK" dirty="0" err="1" smtClean="0"/>
+              <a:t>git</a:t>
+            </a:r>
+            <a:r>
+              <a:rPr lang="da-DK" dirty="0" smtClean="0"/>
+              <a:t> </a:t>
+            </a:r>
+            <a:r>
+              <a:rPr lang="da-DK" dirty="0" err="1" smtClean="0"/>
+              <a:t>init</a:t>
+            </a:r>
+            <a:r>
+              <a:rPr lang="da-DK" dirty="0" smtClean="0"/>
+              <a:t> SOME_NAME, </a:t>
+            </a:r>
+            <a:r>
+              <a:rPr lang="da-DK" dirty="0" err="1" smtClean="0"/>
+              <a:t>will</a:t>
+            </a:r>
+            <a:r>
+              <a:rPr lang="da-DK" dirty="0" smtClean="0"/>
+              <a:t> </a:t>
+            </a:r>
+            <a:r>
+              <a:rPr lang="da-DK" dirty="0" err="1" smtClean="0"/>
+              <a:t>create</a:t>
+            </a:r>
+            <a:r>
+              <a:rPr lang="da-DK" dirty="0" smtClean="0"/>
+              <a:t> a folder, and </a:t>
+            </a:r>
+            <a:r>
+              <a:rPr lang="da-DK" dirty="0" err="1" smtClean="0"/>
+              <a:t>add</a:t>
+            </a:r>
+            <a:r>
+              <a:rPr lang="da-DK" dirty="0" smtClean="0"/>
+              <a:t> version </a:t>
+            </a:r>
+            <a:r>
+              <a:rPr lang="da-DK" dirty="0" err="1" smtClean="0"/>
+              <a:t>control</a:t>
+            </a:r>
+            <a:r>
+              <a:rPr lang="da-DK" dirty="0" smtClean="0"/>
+              <a:t> to it.</a:t>
+            </a:r>
+          </a:p>
+          <a:p>
+            <a:r>
+              <a:rPr lang="da-DK" dirty="0" smtClean="0"/>
+              <a:t>$</a:t>
+            </a:r>
+            <a:r>
+              <a:rPr lang="da-DK" dirty="0" err="1" smtClean="0"/>
+              <a:t>git</a:t>
+            </a:r>
+            <a:r>
+              <a:rPr lang="da-DK" dirty="0" smtClean="0"/>
+              <a:t> </a:t>
+            </a:r>
+            <a:r>
+              <a:rPr lang="da-DK" dirty="0" err="1" smtClean="0"/>
+              <a:t>add</a:t>
+            </a:r>
+            <a:r>
+              <a:rPr lang="da-DK" dirty="0" smtClean="0"/>
+              <a:t> –A – </a:t>
+            </a:r>
+            <a:r>
+              <a:rPr lang="da-DK" dirty="0" err="1" smtClean="0"/>
+              <a:t>add</a:t>
+            </a:r>
+            <a:r>
+              <a:rPr lang="da-DK" dirty="0" smtClean="0"/>
+              <a:t> all </a:t>
+            </a:r>
+            <a:r>
+              <a:rPr lang="da-DK" dirty="0" err="1" smtClean="0"/>
+              <a:t>changes</a:t>
+            </a:r>
+            <a:r>
+              <a:rPr lang="da-DK" dirty="0" smtClean="0"/>
+              <a:t> to the version </a:t>
+            </a:r>
+            <a:r>
+              <a:rPr lang="da-DK" dirty="0" err="1" smtClean="0"/>
+              <a:t>control</a:t>
+            </a:r>
+            <a:r>
+              <a:rPr lang="da-DK" dirty="0" smtClean="0"/>
+              <a:t>.</a:t>
+            </a:r>
+          </a:p>
+          <a:p>
+            <a:r>
+              <a:rPr lang="da-DK" dirty="0" smtClean="0"/>
+              <a:t>$</a:t>
+            </a:r>
+            <a:r>
+              <a:rPr lang="da-DK" dirty="0" err="1" smtClean="0"/>
+              <a:t>git</a:t>
+            </a:r>
+            <a:r>
+              <a:rPr lang="da-DK" dirty="0" smtClean="0"/>
+              <a:t> </a:t>
+            </a:r>
+            <a:r>
+              <a:rPr lang="da-DK" dirty="0" err="1" smtClean="0"/>
+              <a:t>add</a:t>
+            </a:r>
+            <a:r>
+              <a:rPr lang="da-DK" dirty="0" smtClean="0"/>
+              <a:t> &lt;</a:t>
+            </a:r>
+            <a:r>
+              <a:rPr lang="da-DK" dirty="0" err="1" smtClean="0"/>
+              <a:t>filename.ext</a:t>
+            </a:r>
+            <a:r>
+              <a:rPr lang="da-DK" dirty="0" smtClean="0"/>
+              <a:t>&gt; - </a:t>
+            </a:r>
+            <a:r>
+              <a:rPr lang="da-DK" dirty="0" err="1" smtClean="0"/>
+              <a:t>add</a:t>
+            </a:r>
+            <a:r>
+              <a:rPr lang="da-DK" dirty="0" smtClean="0"/>
+              <a:t> </a:t>
+            </a:r>
+            <a:r>
+              <a:rPr lang="da-DK" dirty="0" err="1" smtClean="0"/>
+              <a:t>specific</a:t>
+            </a:r>
+            <a:r>
+              <a:rPr lang="da-DK" dirty="0" smtClean="0"/>
+              <a:t> </a:t>
+            </a:r>
+            <a:r>
+              <a:rPr lang="da-DK" dirty="0" err="1" smtClean="0"/>
+              <a:t>change</a:t>
+            </a:r>
+            <a:r>
+              <a:rPr lang="da-DK" dirty="0" smtClean="0"/>
+              <a:t> to VC.</a:t>
+            </a:r>
+          </a:p>
+          <a:p>
+            <a:r>
+              <a:rPr lang="da-DK" dirty="0" smtClean="0"/>
+              <a:t>$</a:t>
+            </a:r>
+            <a:r>
+              <a:rPr lang="da-DK" dirty="0" err="1" smtClean="0"/>
+              <a:t>git</a:t>
+            </a:r>
+            <a:r>
+              <a:rPr lang="da-DK" dirty="0" smtClean="0"/>
+              <a:t> </a:t>
+            </a:r>
+            <a:r>
+              <a:rPr lang="da-DK" dirty="0" err="1" smtClean="0"/>
+              <a:t>commit</a:t>
+            </a:r>
+            <a:r>
+              <a:rPr lang="da-DK" dirty="0" smtClean="0"/>
+              <a:t> –m ”MESSAGE HERE” </a:t>
+            </a:r>
+            <a:r>
+              <a:rPr lang="da-DK" dirty="0" err="1" smtClean="0"/>
+              <a:t>commit</a:t>
+            </a:r>
+            <a:r>
+              <a:rPr lang="da-DK" dirty="0" smtClean="0"/>
+              <a:t> the </a:t>
+            </a:r>
+            <a:r>
+              <a:rPr lang="da-DK" dirty="0" err="1" smtClean="0"/>
+              <a:t>change</a:t>
+            </a:r>
+            <a:r>
+              <a:rPr lang="da-DK" dirty="0" smtClean="0"/>
+              <a:t>.</a:t>
+            </a:r>
+          </a:p>
+          <a:p>
+            <a:r>
+              <a:rPr lang="da-DK" dirty="0" smtClean="0"/>
+              <a:t>$</a:t>
+            </a:r>
+            <a:r>
+              <a:rPr lang="da-DK" dirty="0" err="1" smtClean="0"/>
+              <a:t>git</a:t>
+            </a:r>
+            <a:r>
+              <a:rPr lang="da-DK" dirty="0" smtClean="0"/>
+              <a:t> status – show the status of the </a:t>
+            </a:r>
+            <a:r>
+              <a:rPr lang="da-DK" dirty="0" err="1" smtClean="0"/>
+              <a:t>current</a:t>
+            </a:r>
+            <a:r>
+              <a:rPr lang="da-DK" dirty="0" smtClean="0"/>
+              <a:t> </a:t>
+            </a:r>
+            <a:r>
+              <a:rPr lang="da-DK" dirty="0" err="1" smtClean="0"/>
+              <a:t>repo</a:t>
+            </a:r>
+            <a:endParaRPr lang="da-DK" dirty="0" smtClean="0"/>
+          </a:p>
+          <a:p>
             <a:endParaRPr lang="da-DK" dirty="0"/>
-          </a:p>
-        </p:txBody>
-      </p:sp>
-      <p:sp>
-        <p:nvSpPr>
-          <p:cNvPr id="3" name="Pladsholder til indhold 2"/>
-          <p:cNvSpPr>
-            <a:spLocks noGrp="1"/>
-          </p:cNvSpPr>
-          <p:nvPr>
-            <p:ph idx="1"/>
-          </p:nvPr>
-        </p:nvSpPr>
-        <p:spPr/>
-        <p:txBody>
-          <a:bodyPr/>
-          <a:lstStyle/>
-          <a:p>
-            <a:r>
-              <a:rPr lang="da-DK" dirty="0" smtClean="0"/>
-              <a:t>$</a:t>
-            </a:r>
-            <a:r>
-              <a:rPr lang="da-DK" dirty="0" err="1" smtClean="0"/>
-              <a:t>git</a:t>
-            </a:r>
-            <a:r>
-              <a:rPr lang="da-DK" dirty="0" smtClean="0"/>
-              <a:t> </a:t>
-            </a:r>
-            <a:r>
-              <a:rPr lang="da-DK" dirty="0" err="1" smtClean="0"/>
-              <a:t>config</a:t>
-            </a:r>
-            <a:r>
-              <a:rPr lang="da-DK" dirty="0" smtClean="0"/>
-              <a:t> –global user.name ”Jens Jensen”</a:t>
-            </a:r>
-          </a:p>
-          <a:p>
-            <a:r>
-              <a:rPr lang="da-DK" dirty="0" smtClean="0"/>
-              <a:t>$</a:t>
-            </a:r>
-            <a:r>
-              <a:rPr lang="da-DK" dirty="0" err="1" smtClean="0"/>
-              <a:t>git</a:t>
-            </a:r>
-            <a:r>
-              <a:rPr lang="da-DK" dirty="0" smtClean="0"/>
-              <a:t> </a:t>
-            </a:r>
-            <a:r>
-              <a:rPr lang="da-DK" dirty="0" err="1" smtClean="0"/>
-              <a:t>config</a:t>
-            </a:r>
-            <a:r>
-              <a:rPr lang="da-DK" dirty="0" smtClean="0"/>
-              <a:t> –global </a:t>
-            </a:r>
-            <a:r>
-              <a:rPr lang="da-DK" dirty="0" err="1" smtClean="0"/>
-              <a:t>user.email</a:t>
-            </a:r>
-            <a:r>
-              <a:rPr lang="da-DK" dirty="0" smtClean="0"/>
-              <a:t> ”jens@vcs.dk" </a:t>
-            </a:r>
-          </a:p>
-          <a:p>
-            <a:endParaRPr lang="da-DK" dirty="0"/>
-          </a:p>
-          <a:p>
-            <a:endParaRPr lang="da-DK" dirty="0" smtClean="0"/>
           </a:p>
         </p:txBody>
       </p:sp>
@@ -9446,7 +9494,7 @@
     </p:spTree>
     <p:extLst>
       <p:ext uri="{BB962C8B-B14F-4D97-AF65-F5344CB8AC3E}">
-        <p14:creationId xmlns:p14="http://schemas.microsoft.com/office/powerpoint/2010/main" val="4118768008"/>
+        <p14:creationId xmlns:p14="http://schemas.microsoft.com/office/powerpoint/2010/main" val="2629411260"/>
       </p:ext>
     </p:extLst>
   </p:cSld>
@@ -9501,16 +9549,24 @@
           <a:lstStyle/>
           <a:p>
             <a:r>
-              <a:rPr lang="da-DK" dirty="0" err="1" smtClean="0"/>
-              <a:t>Adding</a:t>
-            </a:r>
-            <a:r>
-              <a:rPr lang="da-DK" dirty="0" smtClean="0"/>
-              <a:t> a folder to version </a:t>
-            </a:r>
-            <a:r>
-              <a:rPr lang="da-DK" dirty="0" err="1" smtClean="0"/>
-              <a:t>control</a:t>
+              <a:rPr lang="da-DK" dirty="0" err="1"/>
+              <a:t>Setting</a:t>
+            </a:r>
+            <a:r>
+              <a:rPr lang="da-DK" dirty="0"/>
+              <a:t> up a </a:t>
+            </a:r>
+            <a:r>
+              <a:rPr lang="da-DK" dirty="0" err="1"/>
+              <a:t>remote</a:t>
+            </a:r>
+            <a:r>
+              <a:rPr lang="da-DK" dirty="0"/>
+              <a:t> </a:t>
+            </a:r>
+            <a:r>
+              <a:rPr lang="da-DK" dirty="0" err="1"/>
+              <a:t>repository</a:t>
             </a:r>
             <a:endParaRPr lang="da-DK" dirty="0"/>
           </a:p>
@@ -9528,335 +9584,134 @@
         </p:nvSpPr>
         <p:spPr/>
         <p:txBody>
-          <a:bodyPr>
-            <a:normAutofit fontScale="92500" lnSpcReduction="20000"/>
-          </a:bodyPr>
-          <a:lstStyle/>
-          <a:p>
-            <a:r>
-              <a:rPr lang="da-DK" dirty="0" smtClean="0"/>
-              <a:t>Basic Commands</a:t>
-            </a:r>
-          </a:p>
-          <a:p>
-            <a:r>
-              <a:rPr lang="da-DK" dirty="0" err="1" smtClean="0"/>
-              <a:t>Navigate</a:t>
-            </a:r>
-            <a:r>
-              <a:rPr lang="da-DK" dirty="0" smtClean="0"/>
-              <a:t> to Git\bin folder. </a:t>
+          <a:bodyPr/>
+          <a:lstStyle/>
+          <a:p>
+            <a:r>
+              <a:rPr lang="en-US" dirty="0" err="1"/>
+              <a:t>mkdir</a:t>
+            </a:r>
+            <a:r>
+              <a:rPr lang="en-US" dirty="0"/>
+              <a:t> /</a:t>
+            </a:r>
+            <a:r>
+              <a:rPr lang="en-US" dirty="0" smtClean="0"/>
+              <a:t>path/to/your/project</a:t>
+            </a:r>
+          </a:p>
+          <a:p>
+            <a:r>
+              <a:rPr lang="en-US" dirty="0" smtClean="0"/>
+              <a:t>cd </a:t>
+            </a:r>
+            <a:r>
+              <a:rPr lang="en-US" dirty="0"/>
+              <a:t>/</a:t>
+            </a:r>
+            <a:r>
+              <a:rPr lang="en-US" dirty="0" smtClean="0"/>
+              <a:t>path/to/your/project</a:t>
+            </a:r>
+          </a:p>
+          <a:p>
+            <a:r>
+              <a:rPr lang="en-US" dirty="0" err="1" smtClean="0"/>
+              <a:t>git</a:t>
+            </a:r>
+            <a:r>
+              <a:rPr lang="en-US" dirty="0" smtClean="0"/>
+              <a:t> </a:t>
+            </a:r>
+            <a:r>
+              <a:rPr lang="en-US" dirty="0" err="1" smtClean="0"/>
+              <a:t>init</a:t>
+            </a:r>
+            <a:endParaRPr lang="en-US" dirty="0" smtClean="0"/>
+          </a:p>
+          <a:p>
+            <a:r>
+              <a:rPr lang="en-US" dirty="0" err="1" smtClean="0"/>
+              <a:t>git</a:t>
+            </a:r>
+            <a:r>
+              <a:rPr lang="en-US" dirty="0" smtClean="0"/>
+              <a:t> </a:t>
+            </a:r>
+            <a:r>
+              <a:rPr lang="en-US" dirty="0"/>
+              <a:t>remote add origin </a:t>
+            </a:r>
+            <a:r>
+              <a:rPr lang="en-US" dirty="0">
+                <a:hlinkClick r:id="rId2"/>
+              </a:rPr>
+              <a:t>https</a:t>
+            </a:r>
+            <a:r>
+              <a:rPr lang="en-US" dirty="0" smtClean="0">
+                <a:hlinkClick r:id="rId2"/>
+              </a:rPr>
+              <a:t>://xxxx@bitbucket.org/xxxx/test1.git</a:t>
+            </a:r>
+            <a:endParaRPr lang="en-US" dirty="0" smtClean="0"/>
+          </a:p>
+          <a:p>
+            <a:r>
+              <a:rPr lang="en-US" dirty="0" err="1"/>
+              <a:t>git</a:t>
+            </a:r>
+            <a:r>
+              <a:rPr lang="en-US" dirty="0"/>
+              <a:t> add </a:t>
+            </a:r>
+            <a:r>
+              <a:rPr lang="en-US" dirty="0" smtClean="0"/>
+              <a:t>contributors.txt</a:t>
+            </a:r>
+          </a:p>
+          <a:p>
+            <a:r>
+              <a:rPr lang="en-US" dirty="0" err="1" smtClean="0"/>
+              <a:t>git</a:t>
+            </a:r>
+            <a:r>
+              <a:rPr lang="en-US" dirty="0" smtClean="0"/>
+              <a:t> </a:t>
+            </a:r>
+            <a:r>
+              <a:rPr lang="en-US" dirty="0"/>
+              <a:t>commit -m 'Initial commit with </a:t>
+            </a:r>
+            <a:r>
+              <a:rPr lang="en-US" dirty="0" smtClean="0"/>
+              <a:t>contributors‘</a:t>
+            </a:r>
+          </a:p>
+          <a:p>
+            <a:r>
+              <a:rPr lang="en-US" dirty="0" err="1" smtClean="0"/>
+              <a:t>git</a:t>
+            </a:r>
+            <a:r>
+              <a:rPr lang="en-US" dirty="0" smtClean="0"/>
+              <a:t> </a:t>
+            </a:r>
+            <a:r>
+              <a:rPr lang="en-US" dirty="0"/>
+              <a:t>push -u origin </a:t>
+            </a:r>
+            <a:r>
+              <a:rPr lang="en-US" dirty="0" smtClean="0"/>
+              <a:t>master</a:t>
             </a:r>
           </a:p>
           <a:p>
             <a:pPr lvl="1"/>
             <a:r>
-              <a:rPr lang="da-DK" dirty="0" err="1" smtClean="0"/>
-              <a:t>sh</a:t>
-            </a:r>
-            <a:r>
-              <a:rPr lang="da-DK" dirty="0" smtClean="0"/>
-              <a:t> –login || ”Git </a:t>
-            </a:r>
-            <a:r>
-              <a:rPr lang="da-DK" dirty="0" err="1" smtClean="0"/>
-              <a:t>bash</a:t>
-            </a:r>
-            <a:r>
-              <a:rPr lang="da-DK" dirty="0" smtClean="0"/>
-              <a:t> </a:t>
-            </a:r>
-            <a:r>
-              <a:rPr lang="da-DK" dirty="0" err="1" smtClean="0"/>
-              <a:t>here</a:t>
-            </a:r>
-            <a:r>
-              <a:rPr lang="da-DK" dirty="0" smtClean="0"/>
-              <a:t>.”</a:t>
-            </a:r>
-          </a:p>
-          <a:p>
-            <a:r>
-              <a:rPr lang="da-DK" dirty="0" smtClean="0"/>
-              <a:t>$</a:t>
-            </a:r>
-            <a:r>
-              <a:rPr lang="da-DK" dirty="0" err="1" smtClean="0"/>
-              <a:t>git</a:t>
-            </a:r>
-            <a:r>
-              <a:rPr lang="da-DK" dirty="0" smtClean="0"/>
-              <a:t> </a:t>
-            </a:r>
-            <a:r>
-              <a:rPr lang="da-DK" dirty="0" err="1" smtClean="0"/>
-              <a:t>init</a:t>
-            </a:r>
-            <a:r>
-              <a:rPr lang="da-DK" dirty="0" smtClean="0"/>
-              <a:t> – </a:t>
-            </a:r>
-            <a:r>
-              <a:rPr lang="da-DK" dirty="0" err="1" smtClean="0"/>
-              <a:t>inside</a:t>
-            </a:r>
-            <a:r>
-              <a:rPr lang="da-DK" dirty="0" smtClean="0"/>
-              <a:t> a folder, </a:t>
-            </a:r>
-            <a:r>
-              <a:rPr lang="da-DK" dirty="0" err="1" smtClean="0"/>
-              <a:t>will</a:t>
-            </a:r>
-            <a:r>
-              <a:rPr lang="da-DK" dirty="0" smtClean="0"/>
-              <a:t> </a:t>
-            </a:r>
-            <a:r>
-              <a:rPr lang="da-DK" dirty="0" err="1" smtClean="0"/>
-              <a:t>add</a:t>
-            </a:r>
-            <a:r>
-              <a:rPr lang="da-DK" dirty="0" smtClean="0"/>
-              <a:t> version </a:t>
-            </a:r>
-            <a:r>
-              <a:rPr lang="da-DK" dirty="0" err="1" smtClean="0"/>
-              <a:t>control</a:t>
-            </a:r>
-            <a:r>
-              <a:rPr lang="da-DK" dirty="0" smtClean="0"/>
-              <a:t> to </a:t>
-            </a:r>
-            <a:r>
-              <a:rPr lang="da-DK" dirty="0" err="1" smtClean="0"/>
-              <a:t>this</a:t>
-            </a:r>
-            <a:r>
-              <a:rPr lang="da-DK" dirty="0" smtClean="0"/>
-              <a:t> folder.</a:t>
-            </a:r>
-          </a:p>
-          <a:p>
-            <a:r>
-              <a:rPr lang="da-DK" dirty="0" smtClean="0"/>
-              <a:t>$</a:t>
-            </a:r>
-            <a:r>
-              <a:rPr lang="da-DK" dirty="0" err="1" smtClean="0"/>
-              <a:t>git</a:t>
-            </a:r>
-            <a:r>
-              <a:rPr lang="da-DK" dirty="0" smtClean="0"/>
-              <a:t> </a:t>
-            </a:r>
-            <a:r>
-              <a:rPr lang="da-DK" dirty="0" err="1" smtClean="0"/>
-              <a:t>init</a:t>
-            </a:r>
-            <a:r>
-              <a:rPr lang="da-DK" dirty="0" smtClean="0"/>
-              <a:t> SOME_NAME, </a:t>
-            </a:r>
-            <a:r>
-              <a:rPr lang="da-DK" dirty="0" err="1" smtClean="0"/>
-              <a:t>will</a:t>
-            </a:r>
-            <a:r>
-              <a:rPr lang="da-DK" dirty="0" smtClean="0"/>
-              <a:t> </a:t>
-            </a:r>
-            <a:r>
-              <a:rPr lang="da-DK" dirty="0" err="1" smtClean="0"/>
-              <a:t>create</a:t>
-            </a:r>
-            <a:r>
-              <a:rPr lang="da-DK" dirty="0" smtClean="0"/>
-              <a:t> a folder, and </a:t>
-            </a:r>
-            <a:r>
-              <a:rPr lang="da-DK" dirty="0" err="1" smtClean="0"/>
-              <a:t>add</a:t>
-            </a:r>
-            <a:r>
-              <a:rPr lang="da-DK" dirty="0" smtClean="0"/>
-              <a:t> version </a:t>
-            </a:r>
-            <a:r>
-              <a:rPr lang="da-DK" dirty="0" err="1" smtClean="0"/>
-              <a:t>control</a:t>
-            </a:r>
-            <a:r>
-              <a:rPr lang="da-DK" dirty="0" smtClean="0"/>
-              <a:t> to it.</a:t>
-            </a:r>
-          </a:p>
-          <a:p>
-            <a:r>
-              <a:rPr lang="da-DK" dirty="0" smtClean="0"/>
-              <a:t>$</a:t>
-            </a:r>
-            <a:r>
-              <a:rPr lang="da-DK" dirty="0" err="1" smtClean="0"/>
-              <a:t>git</a:t>
-            </a:r>
-            <a:r>
-              <a:rPr lang="da-DK" dirty="0" smtClean="0"/>
-              <a:t> </a:t>
-            </a:r>
-            <a:r>
-              <a:rPr lang="da-DK" dirty="0" err="1" smtClean="0"/>
-              <a:t>add</a:t>
-            </a:r>
-            <a:r>
-              <a:rPr lang="da-DK" dirty="0" smtClean="0"/>
-              <a:t> –A – </a:t>
-            </a:r>
-            <a:r>
-              <a:rPr lang="da-DK" dirty="0" err="1" smtClean="0"/>
-              <a:t>add</a:t>
-            </a:r>
-            <a:r>
-              <a:rPr lang="da-DK" dirty="0" smtClean="0"/>
-              <a:t> all </a:t>
-            </a:r>
-            <a:r>
-              <a:rPr lang="da-DK" dirty="0" err="1" smtClean="0"/>
-              <a:t>changes</a:t>
-            </a:r>
-            <a:r>
-              <a:rPr lang="da-DK" dirty="0" smtClean="0"/>
-              <a:t> to the version </a:t>
-            </a:r>
-            <a:r>
-              <a:rPr lang="da-DK" dirty="0" err="1" smtClean="0"/>
-              <a:t>control</a:t>
-            </a:r>
-            <a:r>
-              <a:rPr lang="da-DK" dirty="0" smtClean="0"/>
-              <a:t>.</a:t>
-            </a:r>
-          </a:p>
-          <a:p>
-            <a:r>
-              <a:rPr lang="da-DK" dirty="0" smtClean="0"/>
-              <a:t>$</a:t>
-            </a:r>
-            <a:r>
-              <a:rPr lang="da-DK" dirty="0" err="1" smtClean="0"/>
-              <a:t>git</a:t>
-            </a:r>
-            <a:r>
-              <a:rPr lang="da-DK" dirty="0" smtClean="0"/>
-              <a:t> </a:t>
-            </a:r>
-            <a:r>
-              <a:rPr lang="da-DK" dirty="0" err="1" smtClean="0"/>
-              <a:t>add</a:t>
-            </a:r>
-            <a:r>
-              <a:rPr lang="da-DK" dirty="0" smtClean="0"/>
-              <a:t> &lt;</a:t>
-            </a:r>
-            <a:r>
-              <a:rPr lang="da-DK" dirty="0" err="1" smtClean="0"/>
-              <a:t>filename.ext</a:t>
-            </a:r>
-            <a:r>
-              <a:rPr lang="da-DK" dirty="0" smtClean="0"/>
-              <a:t>&gt; - </a:t>
-            </a:r>
-            <a:r>
-              <a:rPr lang="da-DK" dirty="0" err="1" smtClean="0"/>
-              <a:t>add</a:t>
-            </a:r>
-            <a:r>
-              <a:rPr lang="da-DK" dirty="0" smtClean="0"/>
-              <a:t> </a:t>
-            </a:r>
-            <a:r>
-              <a:rPr lang="da-DK" dirty="0" err="1" smtClean="0"/>
-              <a:t>specific</a:t>
-            </a:r>
-            <a:r>
-              <a:rPr lang="da-DK" dirty="0" smtClean="0"/>
-              <a:t> </a:t>
-            </a:r>
-            <a:r>
-              <a:rPr lang="da-DK" dirty="0" err="1" smtClean="0"/>
-              <a:t>change</a:t>
-            </a:r>
-            <a:r>
-              <a:rPr lang="da-DK" dirty="0" smtClean="0"/>
-              <a:t> to VC.</a:t>
-            </a:r>
-          </a:p>
-          <a:p>
-            <a:r>
-              <a:rPr lang="da-DK" dirty="0" smtClean="0"/>
-              <a:t>$</a:t>
-            </a:r>
-            <a:r>
-              <a:rPr lang="da-DK" dirty="0" err="1" smtClean="0"/>
-              <a:t>git</a:t>
-            </a:r>
-            <a:r>
-              <a:rPr lang="da-DK" dirty="0" smtClean="0"/>
-              <a:t> </a:t>
-            </a:r>
-            <a:r>
-              <a:rPr lang="da-DK" dirty="0" err="1" smtClean="0"/>
-              <a:t>commit</a:t>
-            </a:r>
-            <a:r>
-              <a:rPr lang="da-DK" dirty="0" smtClean="0"/>
-              <a:t> –m ”MESSAGE HERE” </a:t>
-            </a:r>
-            <a:r>
-              <a:rPr lang="da-DK" dirty="0" err="1" smtClean="0"/>
-              <a:t>commit</a:t>
-            </a:r>
-            <a:r>
-              <a:rPr lang="da-DK" dirty="0" smtClean="0"/>
-              <a:t> the </a:t>
-            </a:r>
-            <a:r>
-              <a:rPr lang="da-DK" dirty="0" err="1" smtClean="0"/>
-              <a:t>change</a:t>
-            </a:r>
-            <a:r>
-              <a:rPr lang="da-DK" dirty="0" smtClean="0"/>
-              <a:t>.</a:t>
-            </a:r>
-          </a:p>
-          <a:p>
-            <a:r>
-              <a:rPr lang="da-DK" dirty="0" smtClean="0"/>
-              <a:t>$</a:t>
-            </a:r>
-            <a:r>
-              <a:rPr lang="da-DK" dirty="0" err="1" smtClean="0"/>
-              <a:t>git</a:t>
-            </a:r>
-            <a:r>
-              <a:rPr lang="da-DK" dirty="0" smtClean="0"/>
-              <a:t> status – show the status of the </a:t>
-            </a:r>
-            <a:r>
-              <a:rPr lang="da-DK" dirty="0" err="1" smtClean="0"/>
-              <a:t>current</a:t>
-            </a:r>
-            <a:r>
-              <a:rPr lang="da-DK" dirty="0" smtClean="0"/>
-              <a:t> </a:t>
-            </a:r>
-            <a:r>
-              <a:rPr lang="da-DK" dirty="0" err="1" smtClean="0"/>
-              <a:t>repo</a:t>
-            </a:r>
-            <a:endParaRPr lang="da-DK" dirty="0" smtClean="0"/>
-          </a:p>
-          <a:p>
+              <a:rPr lang="en-US" dirty="0" smtClean="0"/>
+              <a:t>Origin master will be saved as default push branch</a:t>
+            </a:r>
             <a:endParaRPr lang="da-DK" dirty="0"/>
           </a:p>
         </p:txBody>
@@ -9906,7 +9761,7 @@
     </p:spTree>
     <p:extLst>
       <p:ext uri="{BB962C8B-B14F-4D97-AF65-F5344CB8AC3E}">
-        <p14:creationId xmlns:p14="http://schemas.microsoft.com/office/powerpoint/2010/main" val="2629411260"/>
+        <p14:creationId xmlns:p14="http://schemas.microsoft.com/office/powerpoint/2010/main" val="4104502733"/>
       </p:ext>
     </p:extLst>
   </p:cSld>

--- a/Session 1/3. GIT Introduction.pptx
+++ b/Session 1/3. GIT Introduction.pptx
@@ -7758,36 +7758,24 @@
           </a:p>
           <a:p>
             <a:r>
-              <a:rPr lang="da-DK" dirty="0" err="1" smtClean="0"/>
-              <a:t>Scratching</a:t>
-            </a:r>
-            <a:r>
-              <a:rPr lang="da-DK" dirty="0" smtClean="0"/>
-              <a:t> the </a:t>
-            </a:r>
-            <a:r>
-              <a:rPr lang="da-DK" dirty="0" err="1" smtClean="0"/>
-              <a:t>surface</a:t>
-            </a:r>
-            <a:r>
-              <a:rPr lang="da-DK" dirty="0" smtClean="0"/>
-              <a:t>, just </a:t>
-            </a:r>
-            <a:r>
-              <a:rPr lang="da-DK" dirty="0" err="1" smtClean="0"/>
-              <a:t>enough</a:t>
-            </a:r>
-            <a:r>
-              <a:rPr lang="da-DK" dirty="0" smtClean="0"/>
-              <a:t> to </a:t>
-            </a:r>
-            <a:r>
-              <a:rPr lang="da-DK" dirty="0" err="1" smtClean="0"/>
-              <a:t>use</a:t>
-            </a:r>
-            <a:r>
-              <a:rPr lang="da-DK" dirty="0" smtClean="0"/>
-              <a:t> it.</a:t>
+              <a:rPr lang="da-DK" dirty="0" smtClean="0"/>
+              <a:t>Scratching the surface, just enough to use it</a:t>
+            </a:r>
+            <a:r>
+              <a:rPr lang="da-DK" dirty="0" smtClean="0"/>
+              <a:t>.</a:t>
+            </a:r>
+          </a:p>
+          <a:p>
+            <a:r>
+              <a:rPr lang="da-DK" dirty="0" smtClean="0"/>
+              <a:t>Use this slide as a reference for exercises;or.. Ask! </a:t>
+            </a:r>
+            <a:r>
+              <a:rPr lang="da-DK" smtClean="0">
+                <a:sym typeface="Wingdings" panose="05000000000000000000" pitchFamily="2" charset="2"/>
+              </a:rPr>
+              <a:t></a:t>
             </a:r>
             <a:endParaRPr lang="da-DK" dirty="0"/>
           </a:p>
